--- a/_documents/presentation/ProEthos - pt_BR - v0.14.52.pptx
+++ b/_documents/presentation/ProEthos - pt_BR - v0.14.52.pptx
@@ -185,7 +185,7 @@
       </p14:sectionLst>
     </p:ext>
     <p:ext uri="{EFAFB233-063F-42B5-8137-9DF3F51BA10A}">
-      <p15:sldGuideLst xmlns:p15="http://schemas.microsoft.com/office/powerpoint/2012/main">
+      <p15:sldGuideLst xmlns:p15="http://schemas.microsoft.com/office/powerpoint/2012/main" xmlns="">
         <p15:guide id="1" orient="horz" pos="2160">
           <p15:clr>
             <a:srgbClr val="A4A3A4"/>
@@ -200,6 +200,12 @@
     </p:ext>
   </p:extLst>
 </p:presentation>
+</file>
+
+<file path=ppt/commentAuthors.xml><?xml version="1.0" encoding="utf-8"?>
+<p:cmAuthorLst xmlns:a="http://schemas.openxmlformats.org/drawingml/2006/main" xmlns:r="http://schemas.openxmlformats.org/officeDocument/2006/relationships" xmlns:p="http://schemas.openxmlformats.org/presentationml/2006/main">
+  <p:cmAuthor id="0" name="Silva, Asael Costa da (BIR)" initials="ASAEL" lastIdx="2" clrIdx="0"/>
+</p:cmAuthorLst>
 </file>
 
 <file path=ppt/diagrams/colors1.xml><?xml version="1.0" encoding="utf-8"?>
@@ -3127,431 +3133,211 @@
           </a:p>
         </p:txBody>
       </p:sp>
-      <p:sp>
-        <p:nvSpPr>
-          <p:cNvPr id="4" name="Espaço Reservado para Data 3"/>
-          <p:cNvSpPr>
-            <a:spLocks noGrp="1"/>
-          </p:cNvSpPr>
-          <p:nvPr>
-            <p:ph type="dt" sz="half" idx="10"/>
-          </p:nvPr>
-        </p:nvSpPr>
-        <p:spPr/>
-        <p:txBody>
-          <a:bodyPr/>
-          <a:lstStyle/>
-          <a:p>
-            <a:fld id="{CEA55E09-37B7-4799-B6F4-134EEAD18927}" type="datetimeFigureOut">
-              <a:rPr lang="pt-BR" smtClean="0"/>
-              <a:pPr/>
-              <a:t>05/02/2015</a:t>
-            </a:fld>
-            <a:endParaRPr lang="pt-BR"/>
-          </a:p>
-        </p:txBody>
-      </p:sp>
-      <p:sp>
-        <p:nvSpPr>
-          <p:cNvPr id="5" name="Espaço Reservado para Rodapé 4"/>
-          <p:cNvSpPr>
-            <a:spLocks noGrp="1"/>
-          </p:cNvSpPr>
-          <p:nvPr>
-            <p:ph type="ftr" sz="quarter" idx="11"/>
-          </p:nvPr>
-        </p:nvSpPr>
-        <p:spPr/>
-        <p:txBody>
-          <a:bodyPr/>
-          <a:lstStyle/>
-          <a:p>
-            <a:endParaRPr lang="pt-BR"/>
-          </a:p>
-        </p:txBody>
-      </p:sp>
-      <p:sp>
-        <p:nvSpPr>
-          <p:cNvPr id="6" name="Espaço Reservado para Número de Slide 5"/>
-          <p:cNvSpPr>
-            <a:spLocks noGrp="1"/>
-          </p:cNvSpPr>
-          <p:nvPr>
-            <p:ph type="sldNum" sz="quarter" idx="12"/>
-          </p:nvPr>
-        </p:nvSpPr>
-        <p:spPr/>
-        <p:txBody>
-          <a:bodyPr/>
-          <a:lstStyle/>
-          <a:p>
-            <a:fld id="{796DF7A5-A265-4E28-993B-B412D95A8487}" type="slidenum">
-              <a:rPr lang="pt-BR" smtClean="0"/>
-              <a:pPr/>
-              <a:t>‹nº›</a:t>
-            </a:fld>
-            <a:endParaRPr lang="pt-BR"/>
-          </a:p>
-        </p:txBody>
-      </p:sp>
+      <p:pic>
+        <p:nvPicPr>
+          <p:cNvPr id="7" name="Picture 2"/>
+          <p:cNvPicPr>
+            <a:picLocks noChangeAspect="1" noChangeArrowheads="1"/>
+          </p:cNvPicPr>
+          <p:nvPr userDrawn="1"/>
+        </p:nvPicPr>
+        <p:blipFill>
+          <a:blip r:embed="rId2" cstate="print">
+            <a:extLst>
+              <a:ext uri="{28A0092B-C50C-407E-A947-70E740481C1C}">
+                <a14:useLocalDpi xmlns:a14="http://schemas.microsoft.com/office/drawing/2010/main" val="0"/>
+              </a:ext>
+            </a:extLst>
+          </a:blip>
+          <a:srcRect/>
+          <a:stretch>
+            <a:fillRect/>
+          </a:stretch>
+        </p:blipFill>
+        <p:spPr bwMode="auto">
+          <a:xfrm>
+            <a:off x="611560" y="6428695"/>
+            <a:ext cx="1630033" cy="415245"/>
+          </a:xfrm>
+          <a:prstGeom prst="rect">
+            <a:avLst/>
+          </a:prstGeom>
+          <a:noFill/>
+          <a:ln>
+            <a:noFill/>
+          </a:ln>
+          <a:extLst>
+            <a:ext uri="{909E8E84-426E-40DD-AFC4-6F175D3DCCD1}">
+              <a14:hiddenFill xmlns:a14="http://schemas.microsoft.com/office/drawing/2010/main">
+                <a:solidFill>
+                  <a:schemeClr val="accent1"/>
+                </a:solidFill>
+              </a14:hiddenFill>
+            </a:ext>
+            <a:ext uri="{91240B29-F687-4F45-9708-019B960494DF}">
+              <a14:hiddenLine xmlns:a14="http://schemas.microsoft.com/office/drawing/2010/main" w="9525">
+                <a:solidFill>
+                  <a:schemeClr val="tx1"/>
+                </a:solidFill>
+                <a:miter lim="800000"/>
+                <a:headEnd/>
+                <a:tailEnd/>
+              </a14:hiddenLine>
+            </a:ext>
+          </a:extLst>
+        </p:spPr>
+      </p:pic>
+      <p:pic>
+        <p:nvPicPr>
+          <p:cNvPr id="8" name="Picture 19"/>
+          <p:cNvPicPr>
+            <a:picLocks noChangeAspect="1"/>
+          </p:cNvPicPr>
+          <p:nvPr userDrawn="1"/>
+        </p:nvPicPr>
+        <p:blipFill rotWithShape="1">
+          <a:blip r:embed="rId3" cstate="print">
+            <a:extLst>
+              <a:ext uri="{28A0092B-C50C-407E-A947-70E740481C1C}">
+                <a14:useLocalDpi xmlns:a14="http://schemas.microsoft.com/office/drawing/2010/main" val="0"/>
+              </a:ext>
+            </a:extLst>
+          </a:blip>
+          <a:srcRect b="15246"/>
+          <a:stretch/>
+        </p:blipFill>
+        <p:spPr>
+          <a:xfrm>
+            <a:off x="2627784" y="6428695"/>
+            <a:ext cx="1722833" cy="429304"/>
+          </a:xfrm>
+          <a:prstGeom prst="rect">
+            <a:avLst/>
+          </a:prstGeom>
+        </p:spPr>
+      </p:pic>
+      <p:pic>
+        <p:nvPicPr>
+          <p:cNvPr id="9" name="Picture 2"/>
+          <p:cNvPicPr>
+            <a:picLocks noChangeAspect="1" noChangeArrowheads="1"/>
+          </p:cNvPicPr>
+          <p:nvPr userDrawn="1"/>
+        </p:nvPicPr>
+        <p:blipFill rotWithShape="1">
+          <a:blip r:embed="rId4"/>
+          <a:srcRect t="11467"/>
+          <a:stretch/>
+        </p:blipFill>
+        <p:spPr bwMode="auto">
+          <a:xfrm>
+            <a:off x="4499992" y="6381328"/>
+            <a:ext cx="2987824" cy="555948"/>
+          </a:xfrm>
+          <a:prstGeom prst="rect">
+            <a:avLst/>
+          </a:prstGeom>
+          <a:noFill/>
+          <a:ln>
+            <a:noFill/>
+          </a:ln>
+          <a:effectLst/>
+          <a:extLst>
+            <a:ext uri="{909E8E84-426E-40DD-AFC4-6F175D3DCCD1}">
+              <a14:hiddenFill xmlns:a14="http://schemas.microsoft.com/office/drawing/2010/main">
+                <a:solidFill>
+                  <a:schemeClr val="accent1"/>
+                </a:solidFill>
+              </a14:hiddenFill>
+            </a:ext>
+            <a:ext uri="{91240B29-F687-4F45-9708-019B960494DF}">
+              <a14:hiddenLine xmlns:a14="http://schemas.microsoft.com/office/drawing/2010/main" w="9525">
+                <a:solidFill>
+                  <a:schemeClr val="tx1"/>
+                </a:solidFill>
+                <a:miter lim="800000"/>
+                <a:headEnd/>
+                <a:tailEnd/>
+              </a14:hiddenLine>
+            </a:ext>
+            <a:ext uri="{AF507438-7753-43E0-B8FC-AC1667EBCBE1}">
+              <a14:hiddenEffects xmlns:a14="http://schemas.microsoft.com/office/drawing/2010/main">
+                <a:effectLst>
+                  <a:outerShdw blurRad="63500" dist="38099" dir="2700000" algn="ctr" rotWithShape="0">
+                    <a:schemeClr val="bg2">
+                      <a:alpha val="74997"/>
+                    </a:schemeClr>
+                  </a:outerShdw>
+                </a:effectLst>
+              </a14:hiddenEffects>
+            </a:ext>
+          </a:extLst>
+        </p:spPr>
+      </p:pic>
+      <p:pic>
+        <p:nvPicPr>
+          <p:cNvPr id="10" name="Picture 21"/>
+          <p:cNvPicPr>
+            <a:picLocks noChangeAspect="1"/>
+          </p:cNvPicPr>
+          <p:nvPr userDrawn="1"/>
+        </p:nvPicPr>
+        <p:blipFill>
+          <a:blip r:embed="rId5" cstate="print">
+            <a:extLst>
+              <a:ext uri="{28A0092B-C50C-407E-A947-70E740481C1C}">
+                <a14:useLocalDpi xmlns:a14="http://schemas.microsoft.com/office/drawing/2010/main" val="0"/>
+              </a:ext>
+            </a:extLst>
+          </a:blip>
+          <a:stretch>
+            <a:fillRect/>
+          </a:stretch>
+        </p:blipFill>
+        <p:spPr>
+          <a:xfrm>
+            <a:off x="7668344" y="6403484"/>
+            <a:ext cx="1475656" cy="454048"/>
+          </a:xfrm>
+          <a:prstGeom prst="rect">
+            <a:avLst/>
+          </a:prstGeom>
+        </p:spPr>
+      </p:pic>
+      <p:pic>
+        <p:nvPicPr>
+          <p:cNvPr id="11" name="Imagem 10"/>
+          <p:cNvPicPr>
+            <a:picLocks noChangeAspect="1"/>
+          </p:cNvPicPr>
+          <p:nvPr userDrawn="1"/>
+        </p:nvPicPr>
+        <p:blipFill>
+          <a:blip r:embed="rId6" cstate="print">
+            <a:extLst>
+              <a:ext uri="{28A0092B-C50C-407E-A947-70E740481C1C}">
+                <a14:useLocalDpi xmlns:a14="http://schemas.microsoft.com/office/drawing/2010/main" val="0"/>
+              </a:ext>
+            </a:extLst>
+          </a:blip>
+          <a:stretch>
+            <a:fillRect/>
+          </a:stretch>
+        </p:blipFill>
+        <p:spPr>
+          <a:xfrm>
+            <a:off x="51165" y="6381328"/>
+            <a:ext cx="398454" cy="462612"/>
+          </a:xfrm>
+          <a:prstGeom prst="rect">
+            <a:avLst/>
+          </a:prstGeom>
+        </p:spPr>
+      </p:pic>
     </p:spTree>
     <p:extLst>
       <p:ext uri="{BB962C8B-B14F-4D97-AF65-F5344CB8AC3E}">
         <p14:creationId xmlns:p14="http://schemas.microsoft.com/office/powerpoint/2010/main" val="748106878"/>
-      </p:ext>
-    </p:extLst>
-  </p:cSld>
-  <p:clrMapOvr>
-    <a:masterClrMapping/>
-  </p:clrMapOvr>
-</p:sldLayout>
-</file>
-
-<file path=ppt/slideLayouts/slideLayout10.xml><?xml version="1.0" encoding="utf-8"?>
-<p:sldLayout xmlns:a="http://schemas.openxmlformats.org/drawingml/2006/main" xmlns:r="http://schemas.openxmlformats.org/officeDocument/2006/relationships" xmlns:p="http://schemas.openxmlformats.org/presentationml/2006/main" type="vertTx" preserve="1">
-  <p:cSld name="Título e texto vertical">
-    <p:spTree>
-      <p:nvGrpSpPr>
-        <p:cNvPr id="1" name=""/>
-        <p:cNvGrpSpPr/>
-        <p:nvPr/>
-      </p:nvGrpSpPr>
-      <p:grpSpPr>
-        <a:xfrm>
-          <a:off x="0" y="0"/>
-          <a:ext cx="0" cy="0"/>
-          <a:chOff x="0" y="0"/>
-          <a:chExt cx="0" cy="0"/>
-        </a:xfrm>
-      </p:grpSpPr>
-      <p:sp>
-        <p:nvSpPr>
-          <p:cNvPr id="2" name="Título 1"/>
-          <p:cNvSpPr>
-            <a:spLocks noGrp="1"/>
-          </p:cNvSpPr>
-          <p:nvPr>
-            <p:ph type="title"/>
-          </p:nvPr>
-        </p:nvSpPr>
-        <p:spPr/>
-        <p:txBody>
-          <a:bodyPr/>
-          <a:lstStyle/>
-          <a:p>
-            <a:r>
-              <a:rPr lang="pt-BR" smtClean="0"/>
-              <a:t>Clique para editar o título mestre</a:t>
-            </a:r>
-            <a:endParaRPr lang="pt-BR"/>
-          </a:p>
-        </p:txBody>
-      </p:sp>
-      <p:sp>
-        <p:nvSpPr>
-          <p:cNvPr id="3" name="Espaço Reservado para Texto Vertical 2"/>
-          <p:cNvSpPr>
-            <a:spLocks noGrp="1"/>
-          </p:cNvSpPr>
-          <p:nvPr>
-            <p:ph type="body" orient="vert" idx="1"/>
-          </p:nvPr>
-        </p:nvSpPr>
-        <p:spPr/>
-        <p:txBody>
-          <a:bodyPr vert="eaVert"/>
-          <a:lstStyle/>
-          <a:p>
-            <a:pPr lvl="0"/>
-            <a:r>
-              <a:rPr lang="pt-BR" smtClean="0"/>
-              <a:t>Clique para editar o texto mestre</a:t>
-            </a:r>
-          </a:p>
-          <a:p>
-            <a:pPr lvl="1"/>
-            <a:r>
-              <a:rPr lang="pt-BR" smtClean="0"/>
-              <a:t>Segundo nível</a:t>
-            </a:r>
-          </a:p>
-          <a:p>
-            <a:pPr lvl="2"/>
-            <a:r>
-              <a:rPr lang="pt-BR" smtClean="0"/>
-              <a:t>Terceiro nível</a:t>
-            </a:r>
-          </a:p>
-          <a:p>
-            <a:pPr lvl="3"/>
-            <a:r>
-              <a:rPr lang="pt-BR" smtClean="0"/>
-              <a:t>Quarto nível</a:t>
-            </a:r>
-          </a:p>
-          <a:p>
-            <a:pPr lvl="4"/>
-            <a:r>
-              <a:rPr lang="pt-BR" smtClean="0"/>
-              <a:t>Quinto nível</a:t>
-            </a:r>
-            <a:endParaRPr lang="pt-BR"/>
-          </a:p>
-        </p:txBody>
-      </p:sp>
-      <p:sp>
-        <p:nvSpPr>
-          <p:cNvPr id="4" name="Espaço Reservado para Data 3"/>
-          <p:cNvSpPr>
-            <a:spLocks noGrp="1"/>
-          </p:cNvSpPr>
-          <p:nvPr>
-            <p:ph type="dt" sz="half" idx="10"/>
-          </p:nvPr>
-        </p:nvSpPr>
-        <p:spPr/>
-        <p:txBody>
-          <a:bodyPr/>
-          <a:lstStyle/>
-          <a:p>
-            <a:fld id="{CEA55E09-37B7-4799-B6F4-134EEAD18927}" type="datetimeFigureOut">
-              <a:rPr lang="pt-BR" smtClean="0"/>
-              <a:pPr/>
-              <a:t>05/02/2015</a:t>
-            </a:fld>
-            <a:endParaRPr lang="pt-BR"/>
-          </a:p>
-        </p:txBody>
-      </p:sp>
-      <p:sp>
-        <p:nvSpPr>
-          <p:cNvPr id="5" name="Espaço Reservado para Rodapé 4"/>
-          <p:cNvSpPr>
-            <a:spLocks noGrp="1"/>
-          </p:cNvSpPr>
-          <p:nvPr>
-            <p:ph type="ftr" sz="quarter" idx="11"/>
-          </p:nvPr>
-        </p:nvSpPr>
-        <p:spPr/>
-        <p:txBody>
-          <a:bodyPr/>
-          <a:lstStyle/>
-          <a:p>
-            <a:endParaRPr lang="pt-BR"/>
-          </a:p>
-        </p:txBody>
-      </p:sp>
-      <p:sp>
-        <p:nvSpPr>
-          <p:cNvPr id="6" name="Espaço Reservado para Número de Slide 5"/>
-          <p:cNvSpPr>
-            <a:spLocks noGrp="1"/>
-          </p:cNvSpPr>
-          <p:nvPr>
-            <p:ph type="sldNum" sz="quarter" idx="12"/>
-          </p:nvPr>
-        </p:nvSpPr>
-        <p:spPr/>
-        <p:txBody>
-          <a:bodyPr/>
-          <a:lstStyle/>
-          <a:p>
-            <a:fld id="{796DF7A5-A265-4E28-993B-B412D95A8487}" type="slidenum">
-              <a:rPr lang="pt-BR" smtClean="0"/>
-              <a:pPr/>
-              <a:t>‹nº›</a:t>
-            </a:fld>
-            <a:endParaRPr lang="pt-BR"/>
-          </a:p>
-        </p:txBody>
-      </p:sp>
-    </p:spTree>
-    <p:extLst>
-      <p:ext uri="{BB962C8B-B14F-4D97-AF65-F5344CB8AC3E}">
-        <p14:creationId xmlns:p14="http://schemas.microsoft.com/office/powerpoint/2010/main" val="2677959341"/>
-      </p:ext>
-    </p:extLst>
-  </p:cSld>
-  <p:clrMapOvr>
-    <a:masterClrMapping/>
-  </p:clrMapOvr>
-</p:sldLayout>
-</file>
-
-<file path=ppt/slideLayouts/slideLayout11.xml><?xml version="1.0" encoding="utf-8"?>
-<p:sldLayout xmlns:a="http://schemas.openxmlformats.org/drawingml/2006/main" xmlns:r="http://schemas.openxmlformats.org/officeDocument/2006/relationships" xmlns:p="http://schemas.openxmlformats.org/presentationml/2006/main" type="vertTitleAndTx" preserve="1">
-  <p:cSld name="Título e texto verticais">
-    <p:spTree>
-      <p:nvGrpSpPr>
-        <p:cNvPr id="1" name=""/>
-        <p:cNvGrpSpPr/>
-        <p:nvPr/>
-      </p:nvGrpSpPr>
-      <p:grpSpPr>
-        <a:xfrm>
-          <a:off x="0" y="0"/>
-          <a:ext cx="0" cy="0"/>
-          <a:chOff x="0" y="0"/>
-          <a:chExt cx="0" cy="0"/>
-        </a:xfrm>
-      </p:grpSpPr>
-      <p:sp>
-        <p:nvSpPr>
-          <p:cNvPr id="2" name="Título Vertical 1"/>
-          <p:cNvSpPr>
-            <a:spLocks noGrp="1"/>
-          </p:cNvSpPr>
-          <p:nvPr>
-            <p:ph type="title" orient="vert"/>
-          </p:nvPr>
-        </p:nvSpPr>
-        <p:spPr>
-          <a:xfrm>
-            <a:off x="6629400" y="274638"/>
-            <a:ext cx="2057400" cy="5851525"/>
-          </a:xfrm>
-        </p:spPr>
-        <p:txBody>
-          <a:bodyPr vert="eaVert"/>
-          <a:lstStyle/>
-          <a:p>
-            <a:r>
-              <a:rPr lang="pt-BR" smtClean="0"/>
-              <a:t>Clique para editar o título mestre</a:t>
-            </a:r>
-            <a:endParaRPr lang="pt-BR"/>
-          </a:p>
-        </p:txBody>
-      </p:sp>
-      <p:sp>
-        <p:nvSpPr>
-          <p:cNvPr id="3" name="Espaço Reservado para Texto Vertical 2"/>
-          <p:cNvSpPr>
-            <a:spLocks noGrp="1"/>
-          </p:cNvSpPr>
-          <p:nvPr>
-            <p:ph type="body" orient="vert" idx="1"/>
-          </p:nvPr>
-        </p:nvSpPr>
-        <p:spPr>
-          <a:xfrm>
-            <a:off x="457200" y="274638"/>
-            <a:ext cx="6019800" cy="5851525"/>
-          </a:xfrm>
-        </p:spPr>
-        <p:txBody>
-          <a:bodyPr vert="eaVert"/>
-          <a:lstStyle/>
-          <a:p>
-            <a:pPr lvl="0"/>
-            <a:r>
-              <a:rPr lang="pt-BR" smtClean="0"/>
-              <a:t>Clique para editar o texto mestre</a:t>
-            </a:r>
-          </a:p>
-          <a:p>
-            <a:pPr lvl="1"/>
-            <a:r>
-              <a:rPr lang="pt-BR" smtClean="0"/>
-              <a:t>Segundo nível</a:t>
-            </a:r>
-          </a:p>
-          <a:p>
-            <a:pPr lvl="2"/>
-            <a:r>
-              <a:rPr lang="pt-BR" smtClean="0"/>
-              <a:t>Terceiro nível</a:t>
-            </a:r>
-          </a:p>
-          <a:p>
-            <a:pPr lvl="3"/>
-            <a:r>
-              <a:rPr lang="pt-BR" smtClean="0"/>
-              <a:t>Quarto nível</a:t>
-            </a:r>
-          </a:p>
-          <a:p>
-            <a:pPr lvl="4"/>
-            <a:r>
-              <a:rPr lang="pt-BR" smtClean="0"/>
-              <a:t>Quinto nível</a:t>
-            </a:r>
-            <a:endParaRPr lang="pt-BR"/>
-          </a:p>
-        </p:txBody>
-      </p:sp>
-      <p:sp>
-        <p:nvSpPr>
-          <p:cNvPr id="4" name="Espaço Reservado para Data 3"/>
-          <p:cNvSpPr>
-            <a:spLocks noGrp="1"/>
-          </p:cNvSpPr>
-          <p:nvPr>
-            <p:ph type="dt" sz="half" idx="10"/>
-          </p:nvPr>
-        </p:nvSpPr>
-        <p:spPr/>
-        <p:txBody>
-          <a:bodyPr/>
-          <a:lstStyle/>
-          <a:p>
-            <a:fld id="{CEA55E09-37B7-4799-B6F4-134EEAD18927}" type="datetimeFigureOut">
-              <a:rPr lang="pt-BR" smtClean="0"/>
-              <a:pPr/>
-              <a:t>05/02/2015</a:t>
-            </a:fld>
-            <a:endParaRPr lang="pt-BR"/>
-          </a:p>
-        </p:txBody>
-      </p:sp>
-      <p:sp>
-        <p:nvSpPr>
-          <p:cNvPr id="5" name="Espaço Reservado para Rodapé 4"/>
-          <p:cNvSpPr>
-            <a:spLocks noGrp="1"/>
-          </p:cNvSpPr>
-          <p:nvPr>
-            <p:ph type="ftr" sz="quarter" idx="11"/>
-          </p:nvPr>
-        </p:nvSpPr>
-        <p:spPr/>
-        <p:txBody>
-          <a:bodyPr/>
-          <a:lstStyle/>
-          <a:p>
-            <a:endParaRPr lang="pt-BR"/>
-          </a:p>
-        </p:txBody>
-      </p:sp>
-      <p:sp>
-        <p:nvSpPr>
-          <p:cNvPr id="6" name="Espaço Reservado para Número de Slide 5"/>
-          <p:cNvSpPr>
-            <a:spLocks noGrp="1"/>
-          </p:cNvSpPr>
-          <p:nvPr>
-            <p:ph type="sldNum" sz="quarter" idx="12"/>
-          </p:nvPr>
-        </p:nvSpPr>
-        <p:spPr/>
-        <p:txBody>
-          <a:bodyPr/>
-          <a:lstStyle/>
-          <a:p>
-            <a:fld id="{796DF7A5-A265-4E28-993B-B412D95A8487}" type="slidenum">
-              <a:rPr lang="pt-BR" smtClean="0"/>
-              <a:pPr/>
-              <a:t>‹nº›</a:t>
-            </a:fld>
-            <a:endParaRPr lang="pt-BR"/>
-          </a:p>
-        </p:txBody>
-      </p:sp>
-    </p:spTree>
-    <p:extLst>
-      <p:ext uri="{BB962C8B-B14F-4D97-AF65-F5344CB8AC3E}">
-        <p14:creationId xmlns:p14="http://schemas.microsoft.com/office/powerpoint/2010/main" val="1407988043"/>
       </p:ext>
     </p:extLst>
   </p:cSld>
@@ -3649,49 +3435,6 @@
               <a:rPr lang="pt-BR" smtClean="0"/>
               <a:t>Quinto nível</a:t>
             </a:r>
-            <a:endParaRPr lang="pt-BR"/>
-          </a:p>
-        </p:txBody>
-      </p:sp>
-      <p:sp>
-        <p:nvSpPr>
-          <p:cNvPr id="5" name="Espaço Reservado para Rodapé 4"/>
-          <p:cNvSpPr>
-            <a:spLocks noGrp="1"/>
-          </p:cNvSpPr>
-          <p:nvPr>
-            <p:ph type="ftr" sz="quarter" idx="11"/>
-          </p:nvPr>
-        </p:nvSpPr>
-        <p:spPr/>
-        <p:txBody>
-          <a:bodyPr/>
-          <a:lstStyle/>
-          <a:p>
-            <a:endParaRPr lang="pt-BR"/>
-          </a:p>
-        </p:txBody>
-      </p:sp>
-      <p:sp>
-        <p:nvSpPr>
-          <p:cNvPr id="6" name="Espaço Reservado para Número de Slide 5"/>
-          <p:cNvSpPr>
-            <a:spLocks noGrp="1"/>
-          </p:cNvSpPr>
-          <p:nvPr>
-            <p:ph type="sldNum" sz="quarter" idx="12"/>
-          </p:nvPr>
-        </p:nvSpPr>
-        <p:spPr/>
-        <p:txBody>
-          <a:bodyPr/>
-          <a:lstStyle/>
-          <a:p>
-            <a:fld id="{796DF7A5-A265-4E28-993B-B412D95A8487}" type="slidenum">
-              <a:rPr lang="pt-BR" smtClean="0"/>
-              <a:pPr/>
-              <a:t>‹nº›</a:t>
-            </a:fld>
             <a:endParaRPr lang="pt-BR"/>
           </a:p>
         </p:txBody>
@@ -3758,7 +3501,7 @@
       </p:cxnSp>
       <p:pic>
         <p:nvPicPr>
-          <p:cNvPr id="1029" name="Picture 5"/>
+          <p:cNvPr id="2050" name="Picture 2"/>
           <p:cNvPicPr>
             <a:picLocks noChangeAspect="1" noChangeArrowheads="1"/>
           </p:cNvPicPr>
@@ -3766,114 +3509,6 @@
         </p:nvPicPr>
         <p:blipFill>
           <a:blip r:embed="rId2" cstate="print">
-            <a:extLst>
-              <a:ext uri="{28A0092B-C50C-407E-A947-70E740481C1C}">
-                <a14:useLocalDpi xmlns:a14="http://schemas.microsoft.com/office/drawing/2010/main" val="0"/>
-              </a:ext>
-            </a:extLst>
-          </a:blip>
-          <a:srcRect/>
-          <a:stretch>
-            <a:fillRect/>
-          </a:stretch>
-        </p:blipFill>
-        <p:spPr bwMode="auto">
-          <a:xfrm>
-            <a:off x="107504" y="6461746"/>
-            <a:ext cx="227267" cy="383926"/>
-          </a:xfrm>
-          <a:prstGeom prst="rect">
-            <a:avLst/>
-          </a:prstGeom>
-          <a:noFill/>
-          <a:ln>
-            <a:noFill/>
-          </a:ln>
-          <a:extLst>
-            <a:ext uri="{909E8E84-426E-40DD-AFC4-6F175D3DCCD1}">
-              <a14:hiddenFill xmlns:a14="http://schemas.microsoft.com/office/drawing/2010/main">
-                <a:solidFill>
-                  <a:schemeClr val="accent1"/>
-                </a:solidFill>
-              </a14:hiddenFill>
-            </a:ext>
-            <a:ext uri="{91240B29-F687-4F45-9708-019B960494DF}">
-              <a14:hiddenLine xmlns:a14="http://schemas.microsoft.com/office/drawing/2010/main" w="9525">
-                <a:solidFill>
-                  <a:schemeClr val="tx1"/>
-                </a:solidFill>
-                <a:miter lim="800000"/>
-                <a:headEnd/>
-                <a:tailEnd/>
-              </a14:hiddenLine>
-            </a:ext>
-          </a:extLst>
-        </p:spPr>
-      </p:pic>
-      <p:pic>
-        <p:nvPicPr>
-          <p:cNvPr id="1030" name="Picture 6"/>
-          <p:cNvPicPr>
-            <a:picLocks noChangeAspect="1" noChangeArrowheads="1"/>
-          </p:cNvPicPr>
-          <p:nvPr userDrawn="1"/>
-        </p:nvPicPr>
-        <p:blipFill>
-          <a:blip r:embed="rId3" cstate="print">
-            <a:extLst>
-              <a:ext uri="{28A0092B-C50C-407E-A947-70E740481C1C}">
-                <a14:useLocalDpi xmlns:a14="http://schemas.microsoft.com/office/drawing/2010/main" val="0"/>
-              </a:ext>
-            </a:extLst>
-          </a:blip>
-          <a:srcRect/>
-          <a:stretch>
-            <a:fillRect/>
-          </a:stretch>
-        </p:blipFill>
-        <p:spPr bwMode="auto">
-          <a:xfrm>
-            <a:off x="467544" y="6428923"/>
-            <a:ext cx="1017290" cy="415985"/>
-          </a:xfrm>
-          <a:prstGeom prst="rect">
-            <a:avLst/>
-          </a:prstGeom>
-          <a:noFill/>
-          <a:ln>
-            <a:noFill/>
-          </a:ln>
-          <a:extLst>
-            <a:ext uri="{909E8E84-426E-40DD-AFC4-6F175D3DCCD1}">
-              <a14:hiddenFill xmlns:a14="http://schemas.microsoft.com/office/drawing/2010/main">
-                <a:solidFill>
-                  <a:schemeClr val="accent1"/>
-                </a:solidFill>
-              </a14:hiddenFill>
-            </a:ext>
-            <a:ext uri="{91240B29-F687-4F45-9708-019B960494DF}">
-              <a14:hiddenLine xmlns:a14="http://schemas.microsoft.com/office/drawing/2010/main" w="9525">
-                <a:solidFill>
-                  <a:schemeClr val="tx1"/>
-                </a:solidFill>
-                <a:miter lim="800000"/>
-                <a:headEnd/>
-                <a:tailEnd/>
-              </a14:hiddenLine>
-            </a:ext>
-          </a:extLst>
-        </p:spPr>
-      </p:pic>
-      <p:pic>
-        <p:nvPicPr>
-          <p:cNvPr id="2050" name="Picture 2"/>
-          <p:cNvPicPr>
-            <a:picLocks noChangeAspect="1" noChangeArrowheads="1"/>
-          </p:cNvPicPr>
-          <p:nvPr userDrawn="1"/>
-        </p:nvPicPr>
-        <p:blipFill>
-          <a:blip r:embed="rId4" cstate="print">
             <a:extLst>
               <a:ext uri="{28A0092B-C50C-407E-A947-70E740481C1C}">
                 <a14:useLocalDpi xmlns:a14="http://schemas.microsoft.com/office/drawing/2010/main" val="0"/>
@@ -3918,1723 +3553,211 @@
           </a:extLst>
         </p:spPr>
       </p:pic>
+      <p:pic>
+        <p:nvPicPr>
+          <p:cNvPr id="11" name="Picture 2"/>
+          <p:cNvPicPr>
+            <a:picLocks noChangeAspect="1" noChangeArrowheads="1"/>
+          </p:cNvPicPr>
+          <p:nvPr userDrawn="1"/>
+        </p:nvPicPr>
+        <p:blipFill>
+          <a:blip r:embed="rId2" cstate="print">
+            <a:extLst>
+              <a:ext uri="{28A0092B-C50C-407E-A947-70E740481C1C}">
+                <a14:useLocalDpi xmlns:a14="http://schemas.microsoft.com/office/drawing/2010/main" val="0"/>
+              </a:ext>
+            </a:extLst>
+          </a:blip>
+          <a:srcRect/>
+          <a:stretch>
+            <a:fillRect/>
+          </a:stretch>
+        </p:blipFill>
+        <p:spPr bwMode="auto">
+          <a:xfrm>
+            <a:off x="611560" y="6428695"/>
+            <a:ext cx="1630033" cy="415245"/>
+          </a:xfrm>
+          <a:prstGeom prst="rect">
+            <a:avLst/>
+          </a:prstGeom>
+          <a:noFill/>
+          <a:ln>
+            <a:noFill/>
+          </a:ln>
+          <a:extLst>
+            <a:ext uri="{909E8E84-426E-40DD-AFC4-6F175D3DCCD1}">
+              <a14:hiddenFill xmlns:a14="http://schemas.microsoft.com/office/drawing/2010/main">
+                <a:solidFill>
+                  <a:schemeClr val="accent1"/>
+                </a:solidFill>
+              </a14:hiddenFill>
+            </a:ext>
+            <a:ext uri="{91240B29-F687-4F45-9708-019B960494DF}">
+              <a14:hiddenLine xmlns:a14="http://schemas.microsoft.com/office/drawing/2010/main" w="9525">
+                <a:solidFill>
+                  <a:schemeClr val="tx1"/>
+                </a:solidFill>
+                <a:miter lim="800000"/>
+                <a:headEnd/>
+                <a:tailEnd/>
+              </a14:hiddenLine>
+            </a:ext>
+          </a:extLst>
+        </p:spPr>
+      </p:pic>
+      <p:pic>
+        <p:nvPicPr>
+          <p:cNvPr id="13" name="Picture 19"/>
+          <p:cNvPicPr>
+            <a:picLocks noChangeAspect="1"/>
+          </p:cNvPicPr>
+          <p:nvPr userDrawn="1"/>
+        </p:nvPicPr>
+        <p:blipFill rotWithShape="1">
+          <a:blip r:embed="rId3" cstate="print">
+            <a:extLst>
+              <a:ext uri="{28A0092B-C50C-407E-A947-70E740481C1C}">
+                <a14:useLocalDpi xmlns:a14="http://schemas.microsoft.com/office/drawing/2010/main" val="0"/>
+              </a:ext>
+            </a:extLst>
+          </a:blip>
+          <a:srcRect b="15246"/>
+          <a:stretch/>
+        </p:blipFill>
+        <p:spPr>
+          <a:xfrm>
+            <a:off x="2627784" y="6428695"/>
+            <a:ext cx="1722833" cy="429304"/>
+          </a:xfrm>
+          <a:prstGeom prst="rect">
+            <a:avLst/>
+          </a:prstGeom>
+        </p:spPr>
+      </p:pic>
+      <p:pic>
+        <p:nvPicPr>
+          <p:cNvPr id="14" name="Picture 2"/>
+          <p:cNvPicPr>
+            <a:picLocks noChangeAspect="1" noChangeArrowheads="1"/>
+          </p:cNvPicPr>
+          <p:nvPr userDrawn="1"/>
+        </p:nvPicPr>
+        <p:blipFill rotWithShape="1">
+          <a:blip r:embed="rId4"/>
+          <a:srcRect t="11467"/>
+          <a:stretch/>
+        </p:blipFill>
+        <p:spPr bwMode="auto">
+          <a:xfrm>
+            <a:off x="4499992" y="6381328"/>
+            <a:ext cx="2987824" cy="555948"/>
+          </a:xfrm>
+          <a:prstGeom prst="rect">
+            <a:avLst/>
+          </a:prstGeom>
+          <a:noFill/>
+          <a:ln>
+            <a:noFill/>
+          </a:ln>
+          <a:effectLst/>
+          <a:extLst>
+            <a:ext uri="{909E8E84-426E-40DD-AFC4-6F175D3DCCD1}">
+              <a14:hiddenFill xmlns:a14="http://schemas.microsoft.com/office/drawing/2010/main">
+                <a:solidFill>
+                  <a:schemeClr val="accent1"/>
+                </a:solidFill>
+              </a14:hiddenFill>
+            </a:ext>
+            <a:ext uri="{91240B29-F687-4F45-9708-019B960494DF}">
+              <a14:hiddenLine xmlns:a14="http://schemas.microsoft.com/office/drawing/2010/main" w="9525">
+                <a:solidFill>
+                  <a:schemeClr val="tx1"/>
+                </a:solidFill>
+                <a:miter lim="800000"/>
+                <a:headEnd/>
+                <a:tailEnd/>
+              </a14:hiddenLine>
+            </a:ext>
+            <a:ext uri="{AF507438-7753-43E0-B8FC-AC1667EBCBE1}">
+              <a14:hiddenEffects xmlns:a14="http://schemas.microsoft.com/office/drawing/2010/main">
+                <a:effectLst>
+                  <a:outerShdw blurRad="63500" dist="38099" dir="2700000" algn="ctr" rotWithShape="0">
+                    <a:schemeClr val="bg2">
+                      <a:alpha val="74997"/>
+                    </a:schemeClr>
+                  </a:outerShdw>
+                </a:effectLst>
+              </a14:hiddenEffects>
+            </a:ext>
+          </a:extLst>
+        </p:spPr>
+      </p:pic>
+      <p:pic>
+        <p:nvPicPr>
+          <p:cNvPr id="15" name="Picture 21"/>
+          <p:cNvPicPr>
+            <a:picLocks noChangeAspect="1"/>
+          </p:cNvPicPr>
+          <p:nvPr userDrawn="1"/>
+        </p:nvPicPr>
+        <p:blipFill>
+          <a:blip r:embed="rId5" cstate="print">
+            <a:extLst>
+              <a:ext uri="{28A0092B-C50C-407E-A947-70E740481C1C}">
+                <a14:useLocalDpi xmlns:a14="http://schemas.microsoft.com/office/drawing/2010/main" val="0"/>
+              </a:ext>
+            </a:extLst>
+          </a:blip>
+          <a:stretch>
+            <a:fillRect/>
+          </a:stretch>
+        </p:blipFill>
+        <p:spPr>
+          <a:xfrm>
+            <a:off x="7668344" y="6403484"/>
+            <a:ext cx="1475656" cy="454048"/>
+          </a:xfrm>
+          <a:prstGeom prst="rect">
+            <a:avLst/>
+          </a:prstGeom>
+        </p:spPr>
+      </p:pic>
+      <p:pic>
+        <p:nvPicPr>
+          <p:cNvPr id="16" name="Imagem 15"/>
+          <p:cNvPicPr>
+            <a:picLocks noChangeAspect="1"/>
+          </p:cNvPicPr>
+          <p:nvPr userDrawn="1"/>
+        </p:nvPicPr>
+        <p:blipFill>
+          <a:blip r:embed="rId6" cstate="print">
+            <a:extLst>
+              <a:ext uri="{28A0092B-C50C-407E-A947-70E740481C1C}">
+                <a14:useLocalDpi xmlns:a14="http://schemas.microsoft.com/office/drawing/2010/main" val="0"/>
+              </a:ext>
+            </a:extLst>
+          </a:blip>
+          <a:stretch>
+            <a:fillRect/>
+          </a:stretch>
+        </p:blipFill>
+        <p:spPr>
+          <a:xfrm>
+            <a:off x="51165" y="6381328"/>
+            <a:ext cx="398454" cy="462612"/>
+          </a:xfrm>
+          <a:prstGeom prst="rect">
+            <a:avLst/>
+          </a:prstGeom>
+        </p:spPr>
+      </p:pic>
     </p:spTree>
     <p:extLst>
       <p:ext uri="{BB962C8B-B14F-4D97-AF65-F5344CB8AC3E}">
         <p14:creationId xmlns:p14="http://schemas.microsoft.com/office/powerpoint/2010/main" val="1875827347"/>
-      </p:ext>
-    </p:extLst>
-  </p:cSld>
-  <p:clrMapOvr>
-    <a:masterClrMapping/>
-  </p:clrMapOvr>
-</p:sldLayout>
-</file>
-
-<file path=ppt/slideLayouts/slideLayout3.xml><?xml version="1.0" encoding="utf-8"?>
-<p:sldLayout xmlns:a="http://schemas.openxmlformats.org/drawingml/2006/main" xmlns:r="http://schemas.openxmlformats.org/officeDocument/2006/relationships" xmlns:p="http://schemas.openxmlformats.org/presentationml/2006/main" type="secHead" preserve="1">
-  <p:cSld name="Cabeçalho da Seção">
-    <p:spTree>
-      <p:nvGrpSpPr>
-        <p:cNvPr id="1" name=""/>
-        <p:cNvGrpSpPr/>
-        <p:nvPr/>
-      </p:nvGrpSpPr>
-      <p:grpSpPr>
-        <a:xfrm>
-          <a:off x="0" y="0"/>
-          <a:ext cx="0" cy="0"/>
-          <a:chOff x="0" y="0"/>
-          <a:chExt cx="0" cy="0"/>
-        </a:xfrm>
-      </p:grpSpPr>
-      <p:sp>
-        <p:nvSpPr>
-          <p:cNvPr id="2" name="Título 1"/>
-          <p:cNvSpPr>
-            <a:spLocks noGrp="1"/>
-          </p:cNvSpPr>
-          <p:nvPr>
-            <p:ph type="title"/>
-          </p:nvPr>
-        </p:nvSpPr>
-        <p:spPr>
-          <a:xfrm>
-            <a:off x="722313" y="4406900"/>
-            <a:ext cx="7772400" cy="1362075"/>
-          </a:xfrm>
-        </p:spPr>
-        <p:txBody>
-          <a:bodyPr anchor="t"/>
-          <a:lstStyle>
-            <a:lvl1pPr algn="l">
-              <a:defRPr sz="4000" b="1" cap="all"/>
-            </a:lvl1pPr>
-          </a:lstStyle>
-          <a:p>
-            <a:r>
-              <a:rPr lang="pt-BR" smtClean="0"/>
-              <a:t>Clique para editar o título mestre</a:t>
-            </a:r>
-            <a:endParaRPr lang="pt-BR"/>
-          </a:p>
-        </p:txBody>
-      </p:sp>
-      <p:sp>
-        <p:nvSpPr>
-          <p:cNvPr id="3" name="Espaço Reservado para Texto 2"/>
-          <p:cNvSpPr>
-            <a:spLocks noGrp="1"/>
-          </p:cNvSpPr>
-          <p:nvPr>
-            <p:ph type="body" idx="1"/>
-          </p:nvPr>
-        </p:nvSpPr>
-        <p:spPr>
-          <a:xfrm>
-            <a:off x="722313" y="2906713"/>
-            <a:ext cx="7772400" cy="1500187"/>
-          </a:xfrm>
-        </p:spPr>
-        <p:txBody>
-          <a:bodyPr anchor="b"/>
-          <a:lstStyle>
-            <a:lvl1pPr marL="0" indent="0">
-              <a:buNone/>
-              <a:defRPr sz="2000">
-                <a:solidFill>
-                  <a:schemeClr val="tx1">
-                    <a:tint val="75000"/>
-                  </a:schemeClr>
-                </a:solidFill>
-              </a:defRPr>
-            </a:lvl1pPr>
-            <a:lvl2pPr marL="457200" indent="0">
-              <a:buNone/>
-              <a:defRPr sz="1800">
-                <a:solidFill>
-                  <a:schemeClr val="tx1">
-                    <a:tint val="75000"/>
-                  </a:schemeClr>
-                </a:solidFill>
-              </a:defRPr>
-            </a:lvl2pPr>
-            <a:lvl3pPr marL="914400" indent="0">
-              <a:buNone/>
-              <a:defRPr sz="1600">
-                <a:solidFill>
-                  <a:schemeClr val="tx1">
-                    <a:tint val="75000"/>
-                  </a:schemeClr>
-                </a:solidFill>
-              </a:defRPr>
-            </a:lvl3pPr>
-            <a:lvl4pPr marL="1371600" indent="0">
-              <a:buNone/>
-              <a:defRPr sz="1400">
-                <a:solidFill>
-                  <a:schemeClr val="tx1">
-                    <a:tint val="75000"/>
-                  </a:schemeClr>
-                </a:solidFill>
-              </a:defRPr>
-            </a:lvl4pPr>
-            <a:lvl5pPr marL="1828800" indent="0">
-              <a:buNone/>
-              <a:defRPr sz="1400">
-                <a:solidFill>
-                  <a:schemeClr val="tx1">
-                    <a:tint val="75000"/>
-                  </a:schemeClr>
-                </a:solidFill>
-              </a:defRPr>
-            </a:lvl5pPr>
-            <a:lvl6pPr marL="2286000" indent="0">
-              <a:buNone/>
-              <a:defRPr sz="1400">
-                <a:solidFill>
-                  <a:schemeClr val="tx1">
-                    <a:tint val="75000"/>
-                  </a:schemeClr>
-                </a:solidFill>
-              </a:defRPr>
-            </a:lvl6pPr>
-            <a:lvl7pPr marL="2743200" indent="0">
-              <a:buNone/>
-              <a:defRPr sz="1400">
-                <a:solidFill>
-                  <a:schemeClr val="tx1">
-                    <a:tint val="75000"/>
-                  </a:schemeClr>
-                </a:solidFill>
-              </a:defRPr>
-            </a:lvl7pPr>
-            <a:lvl8pPr marL="3200400" indent="0">
-              <a:buNone/>
-              <a:defRPr sz="1400">
-                <a:solidFill>
-                  <a:schemeClr val="tx1">
-                    <a:tint val="75000"/>
-                  </a:schemeClr>
-                </a:solidFill>
-              </a:defRPr>
-            </a:lvl8pPr>
-            <a:lvl9pPr marL="3657600" indent="0">
-              <a:buNone/>
-              <a:defRPr sz="1400">
-                <a:solidFill>
-                  <a:schemeClr val="tx1">
-                    <a:tint val="75000"/>
-                  </a:schemeClr>
-                </a:solidFill>
-              </a:defRPr>
-            </a:lvl9pPr>
-          </a:lstStyle>
-          <a:p>
-            <a:pPr lvl="0"/>
-            <a:r>
-              <a:rPr lang="pt-BR" smtClean="0"/>
-              <a:t>Clique para editar o texto mestre</a:t>
-            </a:r>
-          </a:p>
-        </p:txBody>
-      </p:sp>
-      <p:sp>
-        <p:nvSpPr>
-          <p:cNvPr id="4" name="Espaço Reservado para Data 3"/>
-          <p:cNvSpPr>
-            <a:spLocks noGrp="1"/>
-          </p:cNvSpPr>
-          <p:nvPr>
-            <p:ph type="dt" sz="half" idx="10"/>
-          </p:nvPr>
-        </p:nvSpPr>
-        <p:spPr/>
-        <p:txBody>
-          <a:bodyPr/>
-          <a:lstStyle/>
-          <a:p>
-            <a:fld id="{CEA55E09-37B7-4799-B6F4-134EEAD18927}" type="datetimeFigureOut">
-              <a:rPr lang="pt-BR" smtClean="0"/>
-              <a:pPr/>
-              <a:t>05/02/2015</a:t>
-            </a:fld>
-            <a:endParaRPr lang="pt-BR"/>
-          </a:p>
-        </p:txBody>
-      </p:sp>
-      <p:sp>
-        <p:nvSpPr>
-          <p:cNvPr id="5" name="Espaço Reservado para Rodapé 4"/>
-          <p:cNvSpPr>
-            <a:spLocks noGrp="1"/>
-          </p:cNvSpPr>
-          <p:nvPr>
-            <p:ph type="ftr" sz="quarter" idx="11"/>
-          </p:nvPr>
-        </p:nvSpPr>
-        <p:spPr/>
-        <p:txBody>
-          <a:bodyPr/>
-          <a:lstStyle/>
-          <a:p>
-            <a:endParaRPr lang="pt-BR"/>
-          </a:p>
-        </p:txBody>
-      </p:sp>
-      <p:sp>
-        <p:nvSpPr>
-          <p:cNvPr id="6" name="Espaço Reservado para Número de Slide 5"/>
-          <p:cNvSpPr>
-            <a:spLocks noGrp="1"/>
-          </p:cNvSpPr>
-          <p:nvPr>
-            <p:ph type="sldNum" sz="quarter" idx="12"/>
-          </p:nvPr>
-        </p:nvSpPr>
-        <p:spPr/>
-        <p:txBody>
-          <a:bodyPr/>
-          <a:lstStyle/>
-          <a:p>
-            <a:fld id="{796DF7A5-A265-4E28-993B-B412D95A8487}" type="slidenum">
-              <a:rPr lang="pt-BR" smtClean="0"/>
-              <a:pPr/>
-              <a:t>‹nº›</a:t>
-            </a:fld>
-            <a:endParaRPr lang="pt-BR"/>
-          </a:p>
-        </p:txBody>
-      </p:sp>
-    </p:spTree>
-    <p:extLst>
-      <p:ext uri="{BB962C8B-B14F-4D97-AF65-F5344CB8AC3E}">
-        <p14:creationId xmlns:p14="http://schemas.microsoft.com/office/powerpoint/2010/main" val="3030704652"/>
-      </p:ext>
-    </p:extLst>
-  </p:cSld>
-  <p:clrMapOvr>
-    <a:masterClrMapping/>
-  </p:clrMapOvr>
-</p:sldLayout>
-</file>
-
-<file path=ppt/slideLayouts/slideLayout4.xml><?xml version="1.0" encoding="utf-8"?>
-<p:sldLayout xmlns:a="http://schemas.openxmlformats.org/drawingml/2006/main" xmlns:r="http://schemas.openxmlformats.org/officeDocument/2006/relationships" xmlns:p="http://schemas.openxmlformats.org/presentationml/2006/main" type="twoObj" preserve="1">
-  <p:cSld name="Duas Partes de Conteúdo">
-    <p:spTree>
-      <p:nvGrpSpPr>
-        <p:cNvPr id="1" name=""/>
-        <p:cNvGrpSpPr/>
-        <p:nvPr/>
-      </p:nvGrpSpPr>
-      <p:grpSpPr>
-        <a:xfrm>
-          <a:off x="0" y="0"/>
-          <a:ext cx="0" cy="0"/>
-          <a:chOff x="0" y="0"/>
-          <a:chExt cx="0" cy="0"/>
-        </a:xfrm>
-      </p:grpSpPr>
-      <p:sp>
-        <p:nvSpPr>
-          <p:cNvPr id="2" name="Título 1"/>
-          <p:cNvSpPr>
-            <a:spLocks noGrp="1"/>
-          </p:cNvSpPr>
-          <p:nvPr>
-            <p:ph type="title"/>
-          </p:nvPr>
-        </p:nvSpPr>
-        <p:spPr/>
-        <p:txBody>
-          <a:bodyPr/>
-          <a:lstStyle/>
-          <a:p>
-            <a:r>
-              <a:rPr lang="pt-BR" smtClean="0"/>
-              <a:t>Clique para editar o título mestre</a:t>
-            </a:r>
-            <a:endParaRPr lang="pt-BR"/>
-          </a:p>
-        </p:txBody>
-      </p:sp>
-      <p:sp>
-        <p:nvSpPr>
-          <p:cNvPr id="3" name="Espaço Reservado para Conteúdo 2"/>
-          <p:cNvSpPr>
-            <a:spLocks noGrp="1"/>
-          </p:cNvSpPr>
-          <p:nvPr>
-            <p:ph sz="half" idx="1"/>
-          </p:nvPr>
-        </p:nvSpPr>
-        <p:spPr>
-          <a:xfrm>
-            <a:off x="457200" y="1600200"/>
-            <a:ext cx="4038600" cy="4525963"/>
-          </a:xfrm>
-        </p:spPr>
-        <p:txBody>
-          <a:bodyPr/>
-          <a:lstStyle>
-            <a:lvl1pPr>
-              <a:defRPr sz="2800"/>
-            </a:lvl1pPr>
-            <a:lvl2pPr>
-              <a:defRPr sz="2400"/>
-            </a:lvl2pPr>
-            <a:lvl3pPr>
-              <a:defRPr sz="2000"/>
-            </a:lvl3pPr>
-            <a:lvl4pPr>
-              <a:defRPr sz="1800"/>
-            </a:lvl4pPr>
-            <a:lvl5pPr>
-              <a:defRPr sz="1800"/>
-            </a:lvl5pPr>
-            <a:lvl6pPr>
-              <a:defRPr sz="1800"/>
-            </a:lvl6pPr>
-            <a:lvl7pPr>
-              <a:defRPr sz="1800"/>
-            </a:lvl7pPr>
-            <a:lvl8pPr>
-              <a:defRPr sz="1800"/>
-            </a:lvl8pPr>
-            <a:lvl9pPr>
-              <a:defRPr sz="1800"/>
-            </a:lvl9pPr>
-          </a:lstStyle>
-          <a:p>
-            <a:pPr lvl="0"/>
-            <a:r>
-              <a:rPr lang="pt-BR" smtClean="0"/>
-              <a:t>Clique para editar o texto mestre</a:t>
-            </a:r>
-          </a:p>
-          <a:p>
-            <a:pPr lvl="1"/>
-            <a:r>
-              <a:rPr lang="pt-BR" smtClean="0"/>
-              <a:t>Segundo nível</a:t>
-            </a:r>
-          </a:p>
-          <a:p>
-            <a:pPr lvl="2"/>
-            <a:r>
-              <a:rPr lang="pt-BR" smtClean="0"/>
-              <a:t>Terceiro nível</a:t>
-            </a:r>
-          </a:p>
-          <a:p>
-            <a:pPr lvl="3"/>
-            <a:r>
-              <a:rPr lang="pt-BR" smtClean="0"/>
-              <a:t>Quarto nível</a:t>
-            </a:r>
-          </a:p>
-          <a:p>
-            <a:pPr lvl="4"/>
-            <a:r>
-              <a:rPr lang="pt-BR" smtClean="0"/>
-              <a:t>Quinto nível</a:t>
-            </a:r>
-            <a:endParaRPr lang="pt-BR"/>
-          </a:p>
-        </p:txBody>
-      </p:sp>
-      <p:sp>
-        <p:nvSpPr>
-          <p:cNvPr id="4" name="Espaço Reservado para Conteúdo 3"/>
-          <p:cNvSpPr>
-            <a:spLocks noGrp="1"/>
-          </p:cNvSpPr>
-          <p:nvPr>
-            <p:ph sz="half" idx="2"/>
-          </p:nvPr>
-        </p:nvSpPr>
-        <p:spPr>
-          <a:xfrm>
-            <a:off x="4648200" y="1600200"/>
-            <a:ext cx="4038600" cy="4525963"/>
-          </a:xfrm>
-        </p:spPr>
-        <p:txBody>
-          <a:bodyPr/>
-          <a:lstStyle>
-            <a:lvl1pPr>
-              <a:defRPr sz="2800"/>
-            </a:lvl1pPr>
-            <a:lvl2pPr>
-              <a:defRPr sz="2400"/>
-            </a:lvl2pPr>
-            <a:lvl3pPr>
-              <a:defRPr sz="2000"/>
-            </a:lvl3pPr>
-            <a:lvl4pPr>
-              <a:defRPr sz="1800"/>
-            </a:lvl4pPr>
-            <a:lvl5pPr>
-              <a:defRPr sz="1800"/>
-            </a:lvl5pPr>
-            <a:lvl6pPr>
-              <a:defRPr sz="1800"/>
-            </a:lvl6pPr>
-            <a:lvl7pPr>
-              <a:defRPr sz="1800"/>
-            </a:lvl7pPr>
-            <a:lvl8pPr>
-              <a:defRPr sz="1800"/>
-            </a:lvl8pPr>
-            <a:lvl9pPr>
-              <a:defRPr sz="1800"/>
-            </a:lvl9pPr>
-          </a:lstStyle>
-          <a:p>
-            <a:pPr lvl="0"/>
-            <a:r>
-              <a:rPr lang="pt-BR" smtClean="0"/>
-              <a:t>Clique para editar o texto mestre</a:t>
-            </a:r>
-          </a:p>
-          <a:p>
-            <a:pPr lvl="1"/>
-            <a:r>
-              <a:rPr lang="pt-BR" smtClean="0"/>
-              <a:t>Segundo nível</a:t>
-            </a:r>
-          </a:p>
-          <a:p>
-            <a:pPr lvl="2"/>
-            <a:r>
-              <a:rPr lang="pt-BR" smtClean="0"/>
-              <a:t>Terceiro nível</a:t>
-            </a:r>
-          </a:p>
-          <a:p>
-            <a:pPr lvl="3"/>
-            <a:r>
-              <a:rPr lang="pt-BR" smtClean="0"/>
-              <a:t>Quarto nível</a:t>
-            </a:r>
-          </a:p>
-          <a:p>
-            <a:pPr lvl="4"/>
-            <a:r>
-              <a:rPr lang="pt-BR" smtClean="0"/>
-              <a:t>Quinto nível</a:t>
-            </a:r>
-            <a:endParaRPr lang="pt-BR"/>
-          </a:p>
-        </p:txBody>
-      </p:sp>
-      <p:sp>
-        <p:nvSpPr>
-          <p:cNvPr id="5" name="Espaço Reservado para Data 4"/>
-          <p:cNvSpPr>
-            <a:spLocks noGrp="1"/>
-          </p:cNvSpPr>
-          <p:nvPr>
-            <p:ph type="dt" sz="half" idx="10"/>
-          </p:nvPr>
-        </p:nvSpPr>
-        <p:spPr/>
-        <p:txBody>
-          <a:bodyPr/>
-          <a:lstStyle/>
-          <a:p>
-            <a:fld id="{CEA55E09-37B7-4799-B6F4-134EEAD18927}" type="datetimeFigureOut">
-              <a:rPr lang="pt-BR" smtClean="0"/>
-              <a:pPr/>
-              <a:t>05/02/2015</a:t>
-            </a:fld>
-            <a:endParaRPr lang="pt-BR"/>
-          </a:p>
-        </p:txBody>
-      </p:sp>
-      <p:sp>
-        <p:nvSpPr>
-          <p:cNvPr id="6" name="Espaço Reservado para Rodapé 5"/>
-          <p:cNvSpPr>
-            <a:spLocks noGrp="1"/>
-          </p:cNvSpPr>
-          <p:nvPr>
-            <p:ph type="ftr" sz="quarter" idx="11"/>
-          </p:nvPr>
-        </p:nvSpPr>
-        <p:spPr/>
-        <p:txBody>
-          <a:bodyPr/>
-          <a:lstStyle/>
-          <a:p>
-            <a:endParaRPr lang="pt-BR"/>
-          </a:p>
-        </p:txBody>
-      </p:sp>
-      <p:sp>
-        <p:nvSpPr>
-          <p:cNvPr id="7" name="Espaço Reservado para Número de Slide 6"/>
-          <p:cNvSpPr>
-            <a:spLocks noGrp="1"/>
-          </p:cNvSpPr>
-          <p:nvPr>
-            <p:ph type="sldNum" sz="quarter" idx="12"/>
-          </p:nvPr>
-        </p:nvSpPr>
-        <p:spPr/>
-        <p:txBody>
-          <a:bodyPr/>
-          <a:lstStyle/>
-          <a:p>
-            <a:fld id="{796DF7A5-A265-4E28-993B-B412D95A8487}" type="slidenum">
-              <a:rPr lang="pt-BR" smtClean="0"/>
-              <a:pPr/>
-              <a:t>‹nº›</a:t>
-            </a:fld>
-            <a:endParaRPr lang="pt-BR"/>
-          </a:p>
-        </p:txBody>
-      </p:sp>
-    </p:spTree>
-    <p:extLst>
-      <p:ext uri="{BB962C8B-B14F-4D97-AF65-F5344CB8AC3E}">
-        <p14:creationId xmlns:p14="http://schemas.microsoft.com/office/powerpoint/2010/main" val="3691722992"/>
-      </p:ext>
-    </p:extLst>
-  </p:cSld>
-  <p:clrMapOvr>
-    <a:masterClrMapping/>
-  </p:clrMapOvr>
-</p:sldLayout>
-</file>
-
-<file path=ppt/slideLayouts/slideLayout5.xml><?xml version="1.0" encoding="utf-8"?>
-<p:sldLayout xmlns:a="http://schemas.openxmlformats.org/drawingml/2006/main" xmlns:r="http://schemas.openxmlformats.org/officeDocument/2006/relationships" xmlns:p="http://schemas.openxmlformats.org/presentationml/2006/main" type="twoTxTwoObj" preserve="1">
-  <p:cSld name="Comparação">
-    <p:spTree>
-      <p:nvGrpSpPr>
-        <p:cNvPr id="1" name=""/>
-        <p:cNvGrpSpPr/>
-        <p:nvPr/>
-      </p:nvGrpSpPr>
-      <p:grpSpPr>
-        <a:xfrm>
-          <a:off x="0" y="0"/>
-          <a:ext cx="0" cy="0"/>
-          <a:chOff x="0" y="0"/>
-          <a:chExt cx="0" cy="0"/>
-        </a:xfrm>
-      </p:grpSpPr>
-      <p:sp>
-        <p:nvSpPr>
-          <p:cNvPr id="2" name="Título 1"/>
-          <p:cNvSpPr>
-            <a:spLocks noGrp="1"/>
-          </p:cNvSpPr>
-          <p:nvPr>
-            <p:ph type="title"/>
-          </p:nvPr>
-        </p:nvSpPr>
-        <p:spPr/>
-        <p:txBody>
-          <a:bodyPr/>
-          <a:lstStyle>
-            <a:lvl1pPr>
-              <a:defRPr/>
-            </a:lvl1pPr>
-          </a:lstStyle>
-          <a:p>
-            <a:r>
-              <a:rPr lang="pt-BR" smtClean="0"/>
-              <a:t>Clique para editar o título mestre</a:t>
-            </a:r>
-            <a:endParaRPr lang="pt-BR"/>
-          </a:p>
-        </p:txBody>
-      </p:sp>
-      <p:sp>
-        <p:nvSpPr>
-          <p:cNvPr id="3" name="Espaço Reservado para Texto 2"/>
-          <p:cNvSpPr>
-            <a:spLocks noGrp="1"/>
-          </p:cNvSpPr>
-          <p:nvPr>
-            <p:ph type="body" idx="1"/>
-          </p:nvPr>
-        </p:nvSpPr>
-        <p:spPr>
-          <a:xfrm>
-            <a:off x="457200" y="1535113"/>
-            <a:ext cx="4040188" cy="639762"/>
-          </a:xfrm>
-        </p:spPr>
-        <p:txBody>
-          <a:bodyPr anchor="b"/>
-          <a:lstStyle>
-            <a:lvl1pPr marL="0" indent="0">
-              <a:buNone/>
-              <a:defRPr sz="2400" b="1"/>
-            </a:lvl1pPr>
-            <a:lvl2pPr marL="457200" indent="0">
-              <a:buNone/>
-              <a:defRPr sz="2000" b="1"/>
-            </a:lvl2pPr>
-            <a:lvl3pPr marL="914400" indent="0">
-              <a:buNone/>
-              <a:defRPr sz="1800" b="1"/>
-            </a:lvl3pPr>
-            <a:lvl4pPr marL="1371600" indent="0">
-              <a:buNone/>
-              <a:defRPr sz="1600" b="1"/>
-            </a:lvl4pPr>
-            <a:lvl5pPr marL="1828800" indent="0">
-              <a:buNone/>
-              <a:defRPr sz="1600" b="1"/>
-            </a:lvl5pPr>
-            <a:lvl6pPr marL="2286000" indent="0">
-              <a:buNone/>
-              <a:defRPr sz="1600" b="1"/>
-            </a:lvl6pPr>
-            <a:lvl7pPr marL="2743200" indent="0">
-              <a:buNone/>
-              <a:defRPr sz="1600" b="1"/>
-            </a:lvl7pPr>
-            <a:lvl8pPr marL="3200400" indent="0">
-              <a:buNone/>
-              <a:defRPr sz="1600" b="1"/>
-            </a:lvl8pPr>
-            <a:lvl9pPr marL="3657600" indent="0">
-              <a:buNone/>
-              <a:defRPr sz="1600" b="1"/>
-            </a:lvl9pPr>
-          </a:lstStyle>
-          <a:p>
-            <a:pPr lvl="0"/>
-            <a:r>
-              <a:rPr lang="pt-BR" smtClean="0"/>
-              <a:t>Clique para editar o texto mestre</a:t>
-            </a:r>
-          </a:p>
-        </p:txBody>
-      </p:sp>
-      <p:sp>
-        <p:nvSpPr>
-          <p:cNvPr id="4" name="Espaço Reservado para Conteúdo 3"/>
-          <p:cNvSpPr>
-            <a:spLocks noGrp="1"/>
-          </p:cNvSpPr>
-          <p:nvPr>
-            <p:ph sz="half" idx="2"/>
-          </p:nvPr>
-        </p:nvSpPr>
-        <p:spPr>
-          <a:xfrm>
-            <a:off x="457200" y="2174875"/>
-            <a:ext cx="4040188" cy="3951288"/>
-          </a:xfrm>
-        </p:spPr>
-        <p:txBody>
-          <a:bodyPr/>
-          <a:lstStyle>
-            <a:lvl1pPr>
-              <a:defRPr sz="2400"/>
-            </a:lvl1pPr>
-            <a:lvl2pPr>
-              <a:defRPr sz="2000"/>
-            </a:lvl2pPr>
-            <a:lvl3pPr>
-              <a:defRPr sz="1800"/>
-            </a:lvl3pPr>
-            <a:lvl4pPr>
-              <a:defRPr sz="1600"/>
-            </a:lvl4pPr>
-            <a:lvl5pPr>
-              <a:defRPr sz="1600"/>
-            </a:lvl5pPr>
-            <a:lvl6pPr>
-              <a:defRPr sz="1600"/>
-            </a:lvl6pPr>
-            <a:lvl7pPr>
-              <a:defRPr sz="1600"/>
-            </a:lvl7pPr>
-            <a:lvl8pPr>
-              <a:defRPr sz="1600"/>
-            </a:lvl8pPr>
-            <a:lvl9pPr>
-              <a:defRPr sz="1600"/>
-            </a:lvl9pPr>
-          </a:lstStyle>
-          <a:p>
-            <a:pPr lvl="0"/>
-            <a:r>
-              <a:rPr lang="pt-BR" smtClean="0"/>
-              <a:t>Clique para editar o texto mestre</a:t>
-            </a:r>
-          </a:p>
-          <a:p>
-            <a:pPr lvl="1"/>
-            <a:r>
-              <a:rPr lang="pt-BR" smtClean="0"/>
-              <a:t>Segundo nível</a:t>
-            </a:r>
-          </a:p>
-          <a:p>
-            <a:pPr lvl="2"/>
-            <a:r>
-              <a:rPr lang="pt-BR" smtClean="0"/>
-              <a:t>Terceiro nível</a:t>
-            </a:r>
-          </a:p>
-          <a:p>
-            <a:pPr lvl="3"/>
-            <a:r>
-              <a:rPr lang="pt-BR" smtClean="0"/>
-              <a:t>Quarto nível</a:t>
-            </a:r>
-          </a:p>
-          <a:p>
-            <a:pPr lvl="4"/>
-            <a:r>
-              <a:rPr lang="pt-BR" smtClean="0"/>
-              <a:t>Quinto nível</a:t>
-            </a:r>
-            <a:endParaRPr lang="pt-BR"/>
-          </a:p>
-        </p:txBody>
-      </p:sp>
-      <p:sp>
-        <p:nvSpPr>
-          <p:cNvPr id="5" name="Espaço Reservado para Texto 4"/>
-          <p:cNvSpPr>
-            <a:spLocks noGrp="1"/>
-          </p:cNvSpPr>
-          <p:nvPr>
-            <p:ph type="body" sz="quarter" idx="3"/>
-          </p:nvPr>
-        </p:nvSpPr>
-        <p:spPr>
-          <a:xfrm>
-            <a:off x="4645025" y="1535113"/>
-            <a:ext cx="4041775" cy="639762"/>
-          </a:xfrm>
-        </p:spPr>
-        <p:txBody>
-          <a:bodyPr anchor="b"/>
-          <a:lstStyle>
-            <a:lvl1pPr marL="0" indent="0">
-              <a:buNone/>
-              <a:defRPr sz="2400" b="1"/>
-            </a:lvl1pPr>
-            <a:lvl2pPr marL="457200" indent="0">
-              <a:buNone/>
-              <a:defRPr sz="2000" b="1"/>
-            </a:lvl2pPr>
-            <a:lvl3pPr marL="914400" indent="0">
-              <a:buNone/>
-              <a:defRPr sz="1800" b="1"/>
-            </a:lvl3pPr>
-            <a:lvl4pPr marL="1371600" indent="0">
-              <a:buNone/>
-              <a:defRPr sz="1600" b="1"/>
-            </a:lvl4pPr>
-            <a:lvl5pPr marL="1828800" indent="0">
-              <a:buNone/>
-              <a:defRPr sz="1600" b="1"/>
-            </a:lvl5pPr>
-            <a:lvl6pPr marL="2286000" indent="0">
-              <a:buNone/>
-              <a:defRPr sz="1600" b="1"/>
-            </a:lvl6pPr>
-            <a:lvl7pPr marL="2743200" indent="0">
-              <a:buNone/>
-              <a:defRPr sz="1600" b="1"/>
-            </a:lvl7pPr>
-            <a:lvl8pPr marL="3200400" indent="0">
-              <a:buNone/>
-              <a:defRPr sz="1600" b="1"/>
-            </a:lvl8pPr>
-            <a:lvl9pPr marL="3657600" indent="0">
-              <a:buNone/>
-              <a:defRPr sz="1600" b="1"/>
-            </a:lvl9pPr>
-          </a:lstStyle>
-          <a:p>
-            <a:pPr lvl="0"/>
-            <a:r>
-              <a:rPr lang="pt-BR" smtClean="0"/>
-              <a:t>Clique para editar o texto mestre</a:t>
-            </a:r>
-          </a:p>
-        </p:txBody>
-      </p:sp>
-      <p:sp>
-        <p:nvSpPr>
-          <p:cNvPr id="6" name="Espaço Reservado para Conteúdo 5"/>
-          <p:cNvSpPr>
-            <a:spLocks noGrp="1"/>
-          </p:cNvSpPr>
-          <p:nvPr>
-            <p:ph sz="quarter" idx="4"/>
-          </p:nvPr>
-        </p:nvSpPr>
-        <p:spPr>
-          <a:xfrm>
-            <a:off x="4645025" y="2174875"/>
-            <a:ext cx="4041775" cy="3951288"/>
-          </a:xfrm>
-        </p:spPr>
-        <p:txBody>
-          <a:bodyPr/>
-          <a:lstStyle>
-            <a:lvl1pPr>
-              <a:defRPr sz="2400"/>
-            </a:lvl1pPr>
-            <a:lvl2pPr>
-              <a:defRPr sz="2000"/>
-            </a:lvl2pPr>
-            <a:lvl3pPr>
-              <a:defRPr sz="1800"/>
-            </a:lvl3pPr>
-            <a:lvl4pPr>
-              <a:defRPr sz="1600"/>
-            </a:lvl4pPr>
-            <a:lvl5pPr>
-              <a:defRPr sz="1600"/>
-            </a:lvl5pPr>
-            <a:lvl6pPr>
-              <a:defRPr sz="1600"/>
-            </a:lvl6pPr>
-            <a:lvl7pPr>
-              <a:defRPr sz="1600"/>
-            </a:lvl7pPr>
-            <a:lvl8pPr>
-              <a:defRPr sz="1600"/>
-            </a:lvl8pPr>
-            <a:lvl9pPr>
-              <a:defRPr sz="1600"/>
-            </a:lvl9pPr>
-          </a:lstStyle>
-          <a:p>
-            <a:pPr lvl="0"/>
-            <a:r>
-              <a:rPr lang="pt-BR" smtClean="0"/>
-              <a:t>Clique para editar o texto mestre</a:t>
-            </a:r>
-          </a:p>
-          <a:p>
-            <a:pPr lvl="1"/>
-            <a:r>
-              <a:rPr lang="pt-BR" smtClean="0"/>
-              <a:t>Segundo nível</a:t>
-            </a:r>
-          </a:p>
-          <a:p>
-            <a:pPr lvl="2"/>
-            <a:r>
-              <a:rPr lang="pt-BR" smtClean="0"/>
-              <a:t>Terceiro nível</a:t>
-            </a:r>
-          </a:p>
-          <a:p>
-            <a:pPr lvl="3"/>
-            <a:r>
-              <a:rPr lang="pt-BR" smtClean="0"/>
-              <a:t>Quarto nível</a:t>
-            </a:r>
-          </a:p>
-          <a:p>
-            <a:pPr lvl="4"/>
-            <a:r>
-              <a:rPr lang="pt-BR" smtClean="0"/>
-              <a:t>Quinto nível</a:t>
-            </a:r>
-            <a:endParaRPr lang="pt-BR"/>
-          </a:p>
-        </p:txBody>
-      </p:sp>
-      <p:sp>
-        <p:nvSpPr>
-          <p:cNvPr id="7" name="Espaço Reservado para Data 6"/>
-          <p:cNvSpPr>
-            <a:spLocks noGrp="1"/>
-          </p:cNvSpPr>
-          <p:nvPr>
-            <p:ph type="dt" sz="half" idx="10"/>
-          </p:nvPr>
-        </p:nvSpPr>
-        <p:spPr/>
-        <p:txBody>
-          <a:bodyPr/>
-          <a:lstStyle/>
-          <a:p>
-            <a:fld id="{CEA55E09-37B7-4799-B6F4-134EEAD18927}" type="datetimeFigureOut">
-              <a:rPr lang="pt-BR" smtClean="0"/>
-              <a:pPr/>
-              <a:t>05/02/2015</a:t>
-            </a:fld>
-            <a:endParaRPr lang="pt-BR"/>
-          </a:p>
-        </p:txBody>
-      </p:sp>
-      <p:sp>
-        <p:nvSpPr>
-          <p:cNvPr id="8" name="Espaço Reservado para Rodapé 7"/>
-          <p:cNvSpPr>
-            <a:spLocks noGrp="1"/>
-          </p:cNvSpPr>
-          <p:nvPr>
-            <p:ph type="ftr" sz="quarter" idx="11"/>
-          </p:nvPr>
-        </p:nvSpPr>
-        <p:spPr/>
-        <p:txBody>
-          <a:bodyPr/>
-          <a:lstStyle/>
-          <a:p>
-            <a:endParaRPr lang="pt-BR"/>
-          </a:p>
-        </p:txBody>
-      </p:sp>
-      <p:sp>
-        <p:nvSpPr>
-          <p:cNvPr id="9" name="Espaço Reservado para Número de Slide 8"/>
-          <p:cNvSpPr>
-            <a:spLocks noGrp="1"/>
-          </p:cNvSpPr>
-          <p:nvPr>
-            <p:ph type="sldNum" sz="quarter" idx="12"/>
-          </p:nvPr>
-        </p:nvSpPr>
-        <p:spPr/>
-        <p:txBody>
-          <a:bodyPr/>
-          <a:lstStyle/>
-          <a:p>
-            <a:fld id="{796DF7A5-A265-4E28-993B-B412D95A8487}" type="slidenum">
-              <a:rPr lang="pt-BR" smtClean="0"/>
-              <a:pPr/>
-              <a:t>‹nº›</a:t>
-            </a:fld>
-            <a:endParaRPr lang="pt-BR"/>
-          </a:p>
-        </p:txBody>
-      </p:sp>
-    </p:spTree>
-    <p:extLst>
-      <p:ext uri="{BB962C8B-B14F-4D97-AF65-F5344CB8AC3E}">
-        <p14:creationId xmlns:p14="http://schemas.microsoft.com/office/powerpoint/2010/main" val="3561343450"/>
-      </p:ext>
-    </p:extLst>
-  </p:cSld>
-  <p:clrMapOvr>
-    <a:masterClrMapping/>
-  </p:clrMapOvr>
-</p:sldLayout>
-</file>
-
-<file path=ppt/slideLayouts/slideLayout6.xml><?xml version="1.0" encoding="utf-8"?>
-<p:sldLayout xmlns:a="http://schemas.openxmlformats.org/drawingml/2006/main" xmlns:r="http://schemas.openxmlformats.org/officeDocument/2006/relationships" xmlns:p="http://schemas.openxmlformats.org/presentationml/2006/main" type="titleOnly" preserve="1">
-  <p:cSld name="Somente título">
-    <p:spTree>
-      <p:nvGrpSpPr>
-        <p:cNvPr id="1" name=""/>
-        <p:cNvGrpSpPr/>
-        <p:nvPr/>
-      </p:nvGrpSpPr>
-      <p:grpSpPr>
-        <a:xfrm>
-          <a:off x="0" y="0"/>
-          <a:ext cx="0" cy="0"/>
-          <a:chOff x="0" y="0"/>
-          <a:chExt cx="0" cy="0"/>
-        </a:xfrm>
-      </p:grpSpPr>
-      <p:sp>
-        <p:nvSpPr>
-          <p:cNvPr id="2" name="Título 1"/>
-          <p:cNvSpPr>
-            <a:spLocks noGrp="1"/>
-          </p:cNvSpPr>
-          <p:nvPr>
-            <p:ph type="title"/>
-          </p:nvPr>
-        </p:nvSpPr>
-        <p:spPr/>
-        <p:txBody>
-          <a:bodyPr/>
-          <a:lstStyle/>
-          <a:p>
-            <a:r>
-              <a:rPr lang="pt-BR" smtClean="0"/>
-              <a:t>Clique para editar o título mestre</a:t>
-            </a:r>
-            <a:endParaRPr lang="pt-BR"/>
-          </a:p>
-        </p:txBody>
-      </p:sp>
-      <p:sp>
-        <p:nvSpPr>
-          <p:cNvPr id="3" name="Espaço Reservado para Data 2"/>
-          <p:cNvSpPr>
-            <a:spLocks noGrp="1"/>
-          </p:cNvSpPr>
-          <p:nvPr>
-            <p:ph type="dt" sz="half" idx="10"/>
-          </p:nvPr>
-        </p:nvSpPr>
-        <p:spPr/>
-        <p:txBody>
-          <a:bodyPr/>
-          <a:lstStyle/>
-          <a:p>
-            <a:fld id="{CEA55E09-37B7-4799-B6F4-134EEAD18927}" type="datetimeFigureOut">
-              <a:rPr lang="pt-BR" smtClean="0"/>
-              <a:pPr/>
-              <a:t>05/02/2015</a:t>
-            </a:fld>
-            <a:endParaRPr lang="pt-BR"/>
-          </a:p>
-        </p:txBody>
-      </p:sp>
-      <p:sp>
-        <p:nvSpPr>
-          <p:cNvPr id="4" name="Espaço Reservado para Rodapé 3"/>
-          <p:cNvSpPr>
-            <a:spLocks noGrp="1"/>
-          </p:cNvSpPr>
-          <p:nvPr>
-            <p:ph type="ftr" sz="quarter" idx="11"/>
-          </p:nvPr>
-        </p:nvSpPr>
-        <p:spPr/>
-        <p:txBody>
-          <a:bodyPr/>
-          <a:lstStyle/>
-          <a:p>
-            <a:endParaRPr lang="pt-BR"/>
-          </a:p>
-        </p:txBody>
-      </p:sp>
-      <p:sp>
-        <p:nvSpPr>
-          <p:cNvPr id="5" name="Espaço Reservado para Número de Slide 4"/>
-          <p:cNvSpPr>
-            <a:spLocks noGrp="1"/>
-          </p:cNvSpPr>
-          <p:nvPr>
-            <p:ph type="sldNum" sz="quarter" idx="12"/>
-          </p:nvPr>
-        </p:nvSpPr>
-        <p:spPr/>
-        <p:txBody>
-          <a:bodyPr/>
-          <a:lstStyle/>
-          <a:p>
-            <a:fld id="{796DF7A5-A265-4E28-993B-B412D95A8487}" type="slidenum">
-              <a:rPr lang="pt-BR" smtClean="0"/>
-              <a:pPr/>
-              <a:t>‹nº›</a:t>
-            </a:fld>
-            <a:endParaRPr lang="pt-BR"/>
-          </a:p>
-        </p:txBody>
-      </p:sp>
-    </p:spTree>
-    <p:extLst>
-      <p:ext uri="{BB962C8B-B14F-4D97-AF65-F5344CB8AC3E}">
-        <p14:creationId xmlns:p14="http://schemas.microsoft.com/office/powerpoint/2010/main" val="2905888350"/>
-      </p:ext>
-    </p:extLst>
-  </p:cSld>
-  <p:clrMapOvr>
-    <a:masterClrMapping/>
-  </p:clrMapOvr>
-</p:sldLayout>
-</file>
-
-<file path=ppt/slideLayouts/slideLayout7.xml><?xml version="1.0" encoding="utf-8"?>
-<p:sldLayout xmlns:a="http://schemas.openxmlformats.org/drawingml/2006/main" xmlns:r="http://schemas.openxmlformats.org/officeDocument/2006/relationships" xmlns:p="http://schemas.openxmlformats.org/presentationml/2006/main" type="blank" preserve="1">
-  <p:cSld name="Em branco">
-    <p:spTree>
-      <p:nvGrpSpPr>
-        <p:cNvPr id="1" name=""/>
-        <p:cNvGrpSpPr/>
-        <p:nvPr/>
-      </p:nvGrpSpPr>
-      <p:grpSpPr>
-        <a:xfrm>
-          <a:off x="0" y="0"/>
-          <a:ext cx="0" cy="0"/>
-          <a:chOff x="0" y="0"/>
-          <a:chExt cx="0" cy="0"/>
-        </a:xfrm>
-      </p:grpSpPr>
-      <p:sp>
-        <p:nvSpPr>
-          <p:cNvPr id="2" name="Espaço Reservado para Data 1"/>
-          <p:cNvSpPr>
-            <a:spLocks noGrp="1"/>
-          </p:cNvSpPr>
-          <p:nvPr>
-            <p:ph type="dt" sz="half" idx="10"/>
-          </p:nvPr>
-        </p:nvSpPr>
-        <p:spPr/>
-        <p:txBody>
-          <a:bodyPr/>
-          <a:lstStyle/>
-          <a:p>
-            <a:fld id="{CEA55E09-37B7-4799-B6F4-134EEAD18927}" type="datetimeFigureOut">
-              <a:rPr lang="pt-BR" smtClean="0"/>
-              <a:pPr/>
-              <a:t>05/02/2015</a:t>
-            </a:fld>
-            <a:endParaRPr lang="pt-BR"/>
-          </a:p>
-        </p:txBody>
-      </p:sp>
-      <p:sp>
-        <p:nvSpPr>
-          <p:cNvPr id="3" name="Espaço Reservado para Rodapé 2"/>
-          <p:cNvSpPr>
-            <a:spLocks noGrp="1"/>
-          </p:cNvSpPr>
-          <p:nvPr>
-            <p:ph type="ftr" sz="quarter" idx="11"/>
-          </p:nvPr>
-        </p:nvSpPr>
-        <p:spPr/>
-        <p:txBody>
-          <a:bodyPr/>
-          <a:lstStyle/>
-          <a:p>
-            <a:endParaRPr lang="pt-BR"/>
-          </a:p>
-        </p:txBody>
-      </p:sp>
-      <p:sp>
-        <p:nvSpPr>
-          <p:cNvPr id="4" name="Espaço Reservado para Número de Slide 3"/>
-          <p:cNvSpPr>
-            <a:spLocks noGrp="1"/>
-          </p:cNvSpPr>
-          <p:nvPr>
-            <p:ph type="sldNum" sz="quarter" idx="12"/>
-          </p:nvPr>
-        </p:nvSpPr>
-        <p:spPr/>
-        <p:txBody>
-          <a:bodyPr/>
-          <a:lstStyle/>
-          <a:p>
-            <a:fld id="{796DF7A5-A265-4E28-993B-B412D95A8487}" type="slidenum">
-              <a:rPr lang="pt-BR" smtClean="0"/>
-              <a:pPr/>
-              <a:t>‹nº›</a:t>
-            </a:fld>
-            <a:endParaRPr lang="pt-BR"/>
-          </a:p>
-        </p:txBody>
-      </p:sp>
-    </p:spTree>
-    <p:extLst>
-      <p:ext uri="{BB962C8B-B14F-4D97-AF65-F5344CB8AC3E}">
-        <p14:creationId xmlns:p14="http://schemas.microsoft.com/office/powerpoint/2010/main" val="708723911"/>
-      </p:ext>
-    </p:extLst>
-  </p:cSld>
-  <p:clrMapOvr>
-    <a:masterClrMapping/>
-  </p:clrMapOvr>
-</p:sldLayout>
-</file>
-
-<file path=ppt/slideLayouts/slideLayout8.xml><?xml version="1.0" encoding="utf-8"?>
-<p:sldLayout xmlns:a="http://schemas.openxmlformats.org/drawingml/2006/main" xmlns:r="http://schemas.openxmlformats.org/officeDocument/2006/relationships" xmlns:p="http://schemas.openxmlformats.org/presentationml/2006/main" type="objTx" preserve="1">
-  <p:cSld name="Conteúdo com Legenda">
-    <p:spTree>
-      <p:nvGrpSpPr>
-        <p:cNvPr id="1" name=""/>
-        <p:cNvGrpSpPr/>
-        <p:nvPr/>
-      </p:nvGrpSpPr>
-      <p:grpSpPr>
-        <a:xfrm>
-          <a:off x="0" y="0"/>
-          <a:ext cx="0" cy="0"/>
-          <a:chOff x="0" y="0"/>
-          <a:chExt cx="0" cy="0"/>
-        </a:xfrm>
-      </p:grpSpPr>
-      <p:sp>
-        <p:nvSpPr>
-          <p:cNvPr id="2" name="Título 1"/>
-          <p:cNvSpPr>
-            <a:spLocks noGrp="1"/>
-          </p:cNvSpPr>
-          <p:nvPr>
-            <p:ph type="title"/>
-          </p:nvPr>
-        </p:nvSpPr>
-        <p:spPr>
-          <a:xfrm>
-            <a:off x="457200" y="273050"/>
-            <a:ext cx="3008313" cy="1162050"/>
-          </a:xfrm>
-        </p:spPr>
-        <p:txBody>
-          <a:bodyPr anchor="b"/>
-          <a:lstStyle>
-            <a:lvl1pPr algn="l">
-              <a:defRPr sz="2000" b="1"/>
-            </a:lvl1pPr>
-          </a:lstStyle>
-          <a:p>
-            <a:r>
-              <a:rPr lang="pt-BR" smtClean="0"/>
-              <a:t>Clique para editar o título mestre</a:t>
-            </a:r>
-            <a:endParaRPr lang="pt-BR"/>
-          </a:p>
-        </p:txBody>
-      </p:sp>
-      <p:sp>
-        <p:nvSpPr>
-          <p:cNvPr id="3" name="Espaço Reservado para Conteúdo 2"/>
-          <p:cNvSpPr>
-            <a:spLocks noGrp="1"/>
-          </p:cNvSpPr>
-          <p:nvPr>
-            <p:ph idx="1"/>
-          </p:nvPr>
-        </p:nvSpPr>
-        <p:spPr>
-          <a:xfrm>
-            <a:off x="3575050" y="273050"/>
-            <a:ext cx="5111750" cy="5853113"/>
-          </a:xfrm>
-        </p:spPr>
-        <p:txBody>
-          <a:bodyPr/>
-          <a:lstStyle>
-            <a:lvl1pPr>
-              <a:defRPr sz="3200"/>
-            </a:lvl1pPr>
-            <a:lvl2pPr>
-              <a:defRPr sz="2800"/>
-            </a:lvl2pPr>
-            <a:lvl3pPr>
-              <a:defRPr sz="2400"/>
-            </a:lvl3pPr>
-            <a:lvl4pPr>
-              <a:defRPr sz="2000"/>
-            </a:lvl4pPr>
-            <a:lvl5pPr>
-              <a:defRPr sz="2000"/>
-            </a:lvl5pPr>
-            <a:lvl6pPr>
-              <a:defRPr sz="2000"/>
-            </a:lvl6pPr>
-            <a:lvl7pPr>
-              <a:defRPr sz="2000"/>
-            </a:lvl7pPr>
-            <a:lvl8pPr>
-              <a:defRPr sz="2000"/>
-            </a:lvl8pPr>
-            <a:lvl9pPr>
-              <a:defRPr sz="2000"/>
-            </a:lvl9pPr>
-          </a:lstStyle>
-          <a:p>
-            <a:pPr lvl="0"/>
-            <a:r>
-              <a:rPr lang="pt-BR" smtClean="0"/>
-              <a:t>Clique para editar o texto mestre</a:t>
-            </a:r>
-          </a:p>
-          <a:p>
-            <a:pPr lvl="1"/>
-            <a:r>
-              <a:rPr lang="pt-BR" smtClean="0"/>
-              <a:t>Segundo nível</a:t>
-            </a:r>
-          </a:p>
-          <a:p>
-            <a:pPr lvl="2"/>
-            <a:r>
-              <a:rPr lang="pt-BR" smtClean="0"/>
-              <a:t>Terceiro nível</a:t>
-            </a:r>
-          </a:p>
-          <a:p>
-            <a:pPr lvl="3"/>
-            <a:r>
-              <a:rPr lang="pt-BR" smtClean="0"/>
-              <a:t>Quarto nível</a:t>
-            </a:r>
-          </a:p>
-          <a:p>
-            <a:pPr lvl="4"/>
-            <a:r>
-              <a:rPr lang="pt-BR" smtClean="0"/>
-              <a:t>Quinto nível</a:t>
-            </a:r>
-            <a:endParaRPr lang="pt-BR"/>
-          </a:p>
-        </p:txBody>
-      </p:sp>
-      <p:sp>
-        <p:nvSpPr>
-          <p:cNvPr id="4" name="Espaço Reservado para Texto 3"/>
-          <p:cNvSpPr>
-            <a:spLocks noGrp="1"/>
-          </p:cNvSpPr>
-          <p:nvPr>
-            <p:ph type="body" sz="half" idx="2"/>
-          </p:nvPr>
-        </p:nvSpPr>
-        <p:spPr>
-          <a:xfrm>
-            <a:off x="457200" y="1435100"/>
-            <a:ext cx="3008313" cy="4691063"/>
-          </a:xfrm>
-        </p:spPr>
-        <p:txBody>
-          <a:bodyPr/>
-          <a:lstStyle>
-            <a:lvl1pPr marL="0" indent="0">
-              <a:buNone/>
-              <a:defRPr sz="1400"/>
-            </a:lvl1pPr>
-            <a:lvl2pPr marL="457200" indent="0">
-              <a:buNone/>
-              <a:defRPr sz="1200"/>
-            </a:lvl2pPr>
-            <a:lvl3pPr marL="914400" indent="0">
-              <a:buNone/>
-              <a:defRPr sz="1000"/>
-            </a:lvl3pPr>
-            <a:lvl4pPr marL="1371600" indent="0">
-              <a:buNone/>
-              <a:defRPr sz="900"/>
-            </a:lvl4pPr>
-            <a:lvl5pPr marL="1828800" indent="0">
-              <a:buNone/>
-              <a:defRPr sz="900"/>
-            </a:lvl5pPr>
-            <a:lvl6pPr marL="2286000" indent="0">
-              <a:buNone/>
-              <a:defRPr sz="900"/>
-            </a:lvl6pPr>
-            <a:lvl7pPr marL="2743200" indent="0">
-              <a:buNone/>
-              <a:defRPr sz="900"/>
-            </a:lvl7pPr>
-            <a:lvl8pPr marL="3200400" indent="0">
-              <a:buNone/>
-              <a:defRPr sz="900"/>
-            </a:lvl8pPr>
-            <a:lvl9pPr marL="3657600" indent="0">
-              <a:buNone/>
-              <a:defRPr sz="900"/>
-            </a:lvl9pPr>
-          </a:lstStyle>
-          <a:p>
-            <a:pPr lvl="0"/>
-            <a:r>
-              <a:rPr lang="pt-BR" smtClean="0"/>
-              <a:t>Clique para editar o texto mestre</a:t>
-            </a:r>
-          </a:p>
-        </p:txBody>
-      </p:sp>
-      <p:sp>
-        <p:nvSpPr>
-          <p:cNvPr id="5" name="Espaço Reservado para Data 4"/>
-          <p:cNvSpPr>
-            <a:spLocks noGrp="1"/>
-          </p:cNvSpPr>
-          <p:nvPr>
-            <p:ph type="dt" sz="half" idx="10"/>
-          </p:nvPr>
-        </p:nvSpPr>
-        <p:spPr/>
-        <p:txBody>
-          <a:bodyPr/>
-          <a:lstStyle/>
-          <a:p>
-            <a:fld id="{CEA55E09-37B7-4799-B6F4-134EEAD18927}" type="datetimeFigureOut">
-              <a:rPr lang="pt-BR" smtClean="0"/>
-              <a:pPr/>
-              <a:t>05/02/2015</a:t>
-            </a:fld>
-            <a:endParaRPr lang="pt-BR"/>
-          </a:p>
-        </p:txBody>
-      </p:sp>
-      <p:sp>
-        <p:nvSpPr>
-          <p:cNvPr id="6" name="Espaço Reservado para Rodapé 5"/>
-          <p:cNvSpPr>
-            <a:spLocks noGrp="1"/>
-          </p:cNvSpPr>
-          <p:nvPr>
-            <p:ph type="ftr" sz="quarter" idx="11"/>
-          </p:nvPr>
-        </p:nvSpPr>
-        <p:spPr/>
-        <p:txBody>
-          <a:bodyPr/>
-          <a:lstStyle/>
-          <a:p>
-            <a:endParaRPr lang="pt-BR"/>
-          </a:p>
-        </p:txBody>
-      </p:sp>
-      <p:sp>
-        <p:nvSpPr>
-          <p:cNvPr id="7" name="Espaço Reservado para Número de Slide 6"/>
-          <p:cNvSpPr>
-            <a:spLocks noGrp="1"/>
-          </p:cNvSpPr>
-          <p:nvPr>
-            <p:ph type="sldNum" sz="quarter" idx="12"/>
-          </p:nvPr>
-        </p:nvSpPr>
-        <p:spPr/>
-        <p:txBody>
-          <a:bodyPr/>
-          <a:lstStyle/>
-          <a:p>
-            <a:fld id="{796DF7A5-A265-4E28-993B-B412D95A8487}" type="slidenum">
-              <a:rPr lang="pt-BR" smtClean="0"/>
-              <a:pPr/>
-              <a:t>‹nº›</a:t>
-            </a:fld>
-            <a:endParaRPr lang="pt-BR"/>
-          </a:p>
-        </p:txBody>
-      </p:sp>
-    </p:spTree>
-    <p:extLst>
-      <p:ext uri="{BB962C8B-B14F-4D97-AF65-F5344CB8AC3E}">
-        <p14:creationId xmlns:p14="http://schemas.microsoft.com/office/powerpoint/2010/main" val="3467444265"/>
-      </p:ext>
-    </p:extLst>
-  </p:cSld>
-  <p:clrMapOvr>
-    <a:masterClrMapping/>
-  </p:clrMapOvr>
-</p:sldLayout>
-</file>
-
-<file path=ppt/slideLayouts/slideLayout9.xml><?xml version="1.0" encoding="utf-8"?>
-<p:sldLayout xmlns:a="http://schemas.openxmlformats.org/drawingml/2006/main" xmlns:r="http://schemas.openxmlformats.org/officeDocument/2006/relationships" xmlns:p="http://schemas.openxmlformats.org/presentationml/2006/main" type="picTx" preserve="1">
-  <p:cSld name="Imagem com Legenda">
-    <p:spTree>
-      <p:nvGrpSpPr>
-        <p:cNvPr id="1" name=""/>
-        <p:cNvGrpSpPr/>
-        <p:nvPr/>
-      </p:nvGrpSpPr>
-      <p:grpSpPr>
-        <a:xfrm>
-          <a:off x="0" y="0"/>
-          <a:ext cx="0" cy="0"/>
-          <a:chOff x="0" y="0"/>
-          <a:chExt cx="0" cy="0"/>
-        </a:xfrm>
-      </p:grpSpPr>
-      <p:sp>
-        <p:nvSpPr>
-          <p:cNvPr id="2" name="Título 1"/>
-          <p:cNvSpPr>
-            <a:spLocks noGrp="1"/>
-          </p:cNvSpPr>
-          <p:nvPr>
-            <p:ph type="title"/>
-          </p:nvPr>
-        </p:nvSpPr>
-        <p:spPr>
-          <a:xfrm>
-            <a:off x="1792288" y="4800600"/>
-            <a:ext cx="5486400" cy="566738"/>
-          </a:xfrm>
-        </p:spPr>
-        <p:txBody>
-          <a:bodyPr anchor="b"/>
-          <a:lstStyle>
-            <a:lvl1pPr algn="l">
-              <a:defRPr sz="2000" b="1"/>
-            </a:lvl1pPr>
-          </a:lstStyle>
-          <a:p>
-            <a:r>
-              <a:rPr lang="pt-BR" smtClean="0"/>
-              <a:t>Clique para editar o título mestre</a:t>
-            </a:r>
-            <a:endParaRPr lang="pt-BR"/>
-          </a:p>
-        </p:txBody>
-      </p:sp>
-      <p:sp>
-        <p:nvSpPr>
-          <p:cNvPr id="3" name="Espaço Reservado para Imagem 2"/>
-          <p:cNvSpPr>
-            <a:spLocks noGrp="1"/>
-          </p:cNvSpPr>
-          <p:nvPr>
-            <p:ph type="pic" idx="1"/>
-          </p:nvPr>
-        </p:nvSpPr>
-        <p:spPr>
-          <a:xfrm>
-            <a:off x="1792288" y="612775"/>
-            <a:ext cx="5486400" cy="4114800"/>
-          </a:xfrm>
-        </p:spPr>
-        <p:txBody>
-          <a:bodyPr/>
-          <a:lstStyle>
-            <a:lvl1pPr marL="0" indent="0">
-              <a:buNone/>
-              <a:defRPr sz="3200"/>
-            </a:lvl1pPr>
-            <a:lvl2pPr marL="457200" indent="0">
-              <a:buNone/>
-              <a:defRPr sz="2800"/>
-            </a:lvl2pPr>
-            <a:lvl3pPr marL="914400" indent="0">
-              <a:buNone/>
-              <a:defRPr sz="2400"/>
-            </a:lvl3pPr>
-            <a:lvl4pPr marL="1371600" indent="0">
-              <a:buNone/>
-              <a:defRPr sz="2000"/>
-            </a:lvl4pPr>
-            <a:lvl5pPr marL="1828800" indent="0">
-              <a:buNone/>
-              <a:defRPr sz="2000"/>
-            </a:lvl5pPr>
-            <a:lvl6pPr marL="2286000" indent="0">
-              <a:buNone/>
-              <a:defRPr sz="2000"/>
-            </a:lvl6pPr>
-            <a:lvl7pPr marL="2743200" indent="0">
-              <a:buNone/>
-              <a:defRPr sz="2000"/>
-            </a:lvl7pPr>
-            <a:lvl8pPr marL="3200400" indent="0">
-              <a:buNone/>
-              <a:defRPr sz="2000"/>
-            </a:lvl8pPr>
-            <a:lvl9pPr marL="3657600" indent="0">
-              <a:buNone/>
-              <a:defRPr sz="2000"/>
-            </a:lvl9pPr>
-          </a:lstStyle>
-          <a:p>
-            <a:endParaRPr lang="pt-BR"/>
-          </a:p>
-        </p:txBody>
-      </p:sp>
-      <p:sp>
-        <p:nvSpPr>
-          <p:cNvPr id="4" name="Espaço Reservado para Texto 3"/>
-          <p:cNvSpPr>
-            <a:spLocks noGrp="1"/>
-          </p:cNvSpPr>
-          <p:nvPr>
-            <p:ph type="body" sz="half" idx="2"/>
-          </p:nvPr>
-        </p:nvSpPr>
-        <p:spPr>
-          <a:xfrm>
-            <a:off x="1792288" y="5367338"/>
-            <a:ext cx="5486400" cy="804862"/>
-          </a:xfrm>
-        </p:spPr>
-        <p:txBody>
-          <a:bodyPr/>
-          <a:lstStyle>
-            <a:lvl1pPr marL="0" indent="0">
-              <a:buNone/>
-              <a:defRPr sz="1400"/>
-            </a:lvl1pPr>
-            <a:lvl2pPr marL="457200" indent="0">
-              <a:buNone/>
-              <a:defRPr sz="1200"/>
-            </a:lvl2pPr>
-            <a:lvl3pPr marL="914400" indent="0">
-              <a:buNone/>
-              <a:defRPr sz="1000"/>
-            </a:lvl3pPr>
-            <a:lvl4pPr marL="1371600" indent="0">
-              <a:buNone/>
-              <a:defRPr sz="900"/>
-            </a:lvl4pPr>
-            <a:lvl5pPr marL="1828800" indent="0">
-              <a:buNone/>
-              <a:defRPr sz="900"/>
-            </a:lvl5pPr>
-            <a:lvl6pPr marL="2286000" indent="0">
-              <a:buNone/>
-              <a:defRPr sz="900"/>
-            </a:lvl6pPr>
-            <a:lvl7pPr marL="2743200" indent="0">
-              <a:buNone/>
-              <a:defRPr sz="900"/>
-            </a:lvl7pPr>
-            <a:lvl8pPr marL="3200400" indent="0">
-              <a:buNone/>
-              <a:defRPr sz="900"/>
-            </a:lvl8pPr>
-            <a:lvl9pPr marL="3657600" indent="0">
-              <a:buNone/>
-              <a:defRPr sz="900"/>
-            </a:lvl9pPr>
-          </a:lstStyle>
-          <a:p>
-            <a:pPr lvl="0"/>
-            <a:r>
-              <a:rPr lang="pt-BR" smtClean="0"/>
-              <a:t>Clique para editar o texto mestre</a:t>
-            </a:r>
-          </a:p>
-        </p:txBody>
-      </p:sp>
-      <p:sp>
-        <p:nvSpPr>
-          <p:cNvPr id="5" name="Espaço Reservado para Data 4"/>
-          <p:cNvSpPr>
-            <a:spLocks noGrp="1"/>
-          </p:cNvSpPr>
-          <p:nvPr>
-            <p:ph type="dt" sz="half" idx="10"/>
-          </p:nvPr>
-        </p:nvSpPr>
-        <p:spPr/>
-        <p:txBody>
-          <a:bodyPr/>
-          <a:lstStyle/>
-          <a:p>
-            <a:fld id="{CEA55E09-37B7-4799-B6F4-134EEAD18927}" type="datetimeFigureOut">
-              <a:rPr lang="pt-BR" smtClean="0"/>
-              <a:pPr/>
-              <a:t>05/02/2015</a:t>
-            </a:fld>
-            <a:endParaRPr lang="pt-BR"/>
-          </a:p>
-        </p:txBody>
-      </p:sp>
-      <p:sp>
-        <p:nvSpPr>
-          <p:cNvPr id="6" name="Espaço Reservado para Rodapé 5"/>
-          <p:cNvSpPr>
-            <a:spLocks noGrp="1"/>
-          </p:cNvSpPr>
-          <p:nvPr>
-            <p:ph type="ftr" sz="quarter" idx="11"/>
-          </p:nvPr>
-        </p:nvSpPr>
-        <p:spPr/>
-        <p:txBody>
-          <a:bodyPr/>
-          <a:lstStyle/>
-          <a:p>
-            <a:endParaRPr lang="pt-BR"/>
-          </a:p>
-        </p:txBody>
-      </p:sp>
-      <p:sp>
-        <p:nvSpPr>
-          <p:cNvPr id="7" name="Espaço Reservado para Número de Slide 6"/>
-          <p:cNvSpPr>
-            <a:spLocks noGrp="1"/>
-          </p:cNvSpPr>
-          <p:nvPr>
-            <p:ph type="sldNum" sz="quarter" idx="12"/>
-          </p:nvPr>
-        </p:nvSpPr>
-        <p:spPr/>
-        <p:txBody>
-          <a:bodyPr/>
-          <a:lstStyle/>
-          <a:p>
-            <a:fld id="{796DF7A5-A265-4E28-993B-B412D95A8487}" type="slidenum">
-              <a:rPr lang="pt-BR" smtClean="0"/>
-              <a:pPr/>
-              <a:t>‹nº›</a:t>
-            </a:fld>
-            <a:endParaRPr lang="pt-BR"/>
-          </a:p>
-        </p:txBody>
-      </p:sp>
-    </p:spTree>
-    <p:extLst>
-      <p:ext uri="{BB962C8B-B14F-4D97-AF65-F5344CB8AC3E}">
-        <p14:creationId xmlns:p14="http://schemas.microsoft.com/office/powerpoint/2010/main" val="2923581719"/>
       </p:ext>
     </p:extLst>
   </p:cSld>
@@ -5649,25 +3772,9 @@
   <p:cSld>
     <p:bg>
       <p:bgPr>
-        <a:gradFill flip="none" rotWithShape="1">
-          <a:gsLst>
-            <a:gs pos="0">
-              <a:schemeClr val="bg1"/>
-            </a:gs>
-            <a:gs pos="50000">
-              <a:schemeClr val="bg1">
-                <a:lumMod val="95000"/>
-              </a:schemeClr>
-            </a:gs>
-            <a:gs pos="100000">
-              <a:schemeClr val="bg1">
-                <a:lumMod val="85000"/>
-              </a:schemeClr>
-            </a:gs>
-          </a:gsLst>
-          <a:lin ang="5400000" scaled="0"/>
-          <a:tileRect/>
-        </a:gradFill>
+        <a:solidFill>
+          <a:schemeClr val="bg1"/>
+        </a:solidFill>
         <a:effectLst/>
       </p:bgPr>
     </p:bg>
@@ -5816,7 +3923,7 @@
             <a:fld id="{CEA55E09-37B7-4799-B6F4-134EEAD18927}" type="datetimeFigureOut">
               <a:rPr lang="pt-BR" smtClean="0"/>
               <a:pPr/>
-              <a:t>05/02/2015</a:t>
+              <a:t>24/09/2015</a:t>
             </a:fld>
             <a:endParaRPr lang="pt-BR"/>
           </a:p>
@@ -5912,15 +4019,6 @@
   <p:sldLayoutIdLst>
     <p:sldLayoutId id="2147483649" r:id="rId1"/>
     <p:sldLayoutId id="2147483650" r:id="rId2"/>
-    <p:sldLayoutId id="2147483651" r:id="rId3"/>
-    <p:sldLayoutId id="2147483652" r:id="rId4"/>
-    <p:sldLayoutId id="2147483653" r:id="rId5"/>
-    <p:sldLayoutId id="2147483654" r:id="rId6"/>
-    <p:sldLayoutId id="2147483655" r:id="rId7"/>
-    <p:sldLayoutId id="2147483656" r:id="rId8"/>
-    <p:sldLayoutId id="2147483657" r:id="rId9"/>
-    <p:sldLayoutId id="2147483658" r:id="rId10"/>
-    <p:sldLayoutId id="2147483659" r:id="rId11"/>
   </p:sldLayoutIdLst>
   <p:txStyles>
     <p:titleStyle>
@@ -6220,114 +4318,6 @@
           </a:p>
         </p:txBody>
       </p:sp>
-      <p:pic>
-        <p:nvPicPr>
-          <p:cNvPr id="5" name="Picture 5"/>
-          <p:cNvPicPr>
-            <a:picLocks noChangeAspect="1" noChangeArrowheads="1"/>
-          </p:cNvPicPr>
-          <p:nvPr/>
-        </p:nvPicPr>
-        <p:blipFill>
-          <a:blip r:embed="rId2">
-            <a:extLst>
-              <a:ext uri="{28A0092B-C50C-407E-A947-70E740481C1C}">
-                <a14:useLocalDpi xmlns:a14="http://schemas.microsoft.com/office/drawing/2010/main" val="0"/>
-              </a:ext>
-            </a:extLst>
-          </a:blip>
-          <a:srcRect/>
-          <a:stretch>
-            <a:fillRect/>
-          </a:stretch>
-        </p:blipFill>
-        <p:spPr bwMode="auto">
-          <a:xfrm>
-            <a:off x="251520" y="5557509"/>
-            <a:ext cx="648072" cy="1094799"/>
-          </a:xfrm>
-          <a:prstGeom prst="rect">
-            <a:avLst/>
-          </a:prstGeom>
-          <a:noFill/>
-          <a:ln>
-            <a:noFill/>
-          </a:ln>
-          <a:extLst>
-            <a:ext uri="{909E8E84-426E-40DD-AFC4-6F175D3DCCD1}">
-              <a14:hiddenFill xmlns:a14="http://schemas.microsoft.com/office/drawing/2010/main">
-                <a:solidFill>
-                  <a:schemeClr val="accent1"/>
-                </a:solidFill>
-              </a14:hiddenFill>
-            </a:ext>
-            <a:ext uri="{91240B29-F687-4F45-9708-019B960494DF}">
-              <a14:hiddenLine xmlns:a14="http://schemas.microsoft.com/office/drawing/2010/main" w="9525">
-                <a:solidFill>
-                  <a:schemeClr val="tx1"/>
-                </a:solidFill>
-                <a:miter lim="800000"/>
-                <a:headEnd/>
-                <a:tailEnd/>
-              </a14:hiddenLine>
-            </a:ext>
-          </a:extLst>
-        </p:spPr>
-      </p:pic>
-      <p:pic>
-        <p:nvPicPr>
-          <p:cNvPr id="6" name="Picture 6"/>
-          <p:cNvPicPr>
-            <a:picLocks noChangeAspect="1" noChangeArrowheads="1"/>
-          </p:cNvPicPr>
-          <p:nvPr/>
-        </p:nvPicPr>
-        <p:blipFill>
-          <a:blip r:embed="rId3">
-            <a:extLst>
-              <a:ext uri="{28A0092B-C50C-407E-A947-70E740481C1C}">
-                <a14:useLocalDpi xmlns:a14="http://schemas.microsoft.com/office/drawing/2010/main" val="0"/>
-              </a:ext>
-            </a:extLst>
-          </a:blip>
-          <a:srcRect/>
-          <a:stretch>
-            <a:fillRect/>
-          </a:stretch>
-        </p:blipFill>
-        <p:spPr bwMode="auto">
-          <a:xfrm>
-            <a:off x="6732240" y="5805264"/>
-            <a:ext cx="2249957" cy="920041"/>
-          </a:xfrm>
-          <a:prstGeom prst="rect">
-            <a:avLst/>
-          </a:prstGeom>
-          <a:noFill/>
-          <a:ln>
-            <a:noFill/>
-          </a:ln>
-          <a:extLst>
-            <a:ext uri="{909E8E84-426E-40DD-AFC4-6F175D3DCCD1}">
-              <a14:hiddenFill xmlns:a14="http://schemas.microsoft.com/office/drawing/2010/main">
-                <a:solidFill>
-                  <a:schemeClr val="accent1"/>
-                </a:solidFill>
-              </a14:hiddenFill>
-            </a:ext>
-            <a:ext uri="{91240B29-F687-4F45-9708-019B960494DF}">
-              <a14:hiddenLine xmlns:a14="http://schemas.microsoft.com/office/drawing/2010/main" w="9525">
-                <a:solidFill>
-                  <a:schemeClr val="tx1"/>
-                </a:solidFill>
-                <a:miter lim="800000"/>
-                <a:headEnd/>
-                <a:tailEnd/>
-              </a14:hiddenLine>
-            </a:ext>
-          </a:extLst>
-        </p:spPr>
-      </p:pic>
       <p:sp>
         <p:nvSpPr>
           <p:cNvPr id="9" name="Arredondar Retângulo em um Canto Diagonal 8"/>
@@ -6414,7 +4404,7 @@
             </a:r>
             <a:r>
               <a:rPr lang="pt-BR" sz="1600" dirty="0" smtClean="0"/>
-              <a:t>v0.14.46a </a:t>
+              <a:t>v0.14.52 </a:t>
             </a:r>
             <a:endParaRPr lang="pt-BR" dirty="0"/>
           </a:p>
@@ -6429,7 +4419,7 @@
           <p:nvPr/>
         </p:nvPicPr>
         <p:blipFill>
-          <a:blip r:embed="rId4">
+          <a:blip r:embed="rId2">
             <a:extLst>
               <a:ext uri="{28A0092B-C50C-407E-A947-70E740481C1C}">
                 <a14:useLocalDpi xmlns:a14="http://schemas.microsoft.com/office/drawing/2010/main" val="0"/>
@@ -6972,7 +4962,7 @@
         </p:nvSpPr>
         <p:spPr>
           <a:xfrm>
-            <a:off x="3214678" y="6357958"/>
+            <a:off x="3227863" y="6032571"/>
             <a:ext cx="5929322" cy="369332"/>
           </a:xfrm>
           <a:prstGeom prst="rect">
@@ -8364,11 +6354,7 @@
           <a:p>
             <a:r>
               <a:rPr lang="pt-BR" dirty="0" smtClean="0"/>
-              <a:t>E-mail de comunicação (Mensagens</a:t>
-            </a:r>
-            <a:r>
-              <a:rPr lang="pt-BR" dirty="0" smtClean="0"/>
-              <a:t>)</a:t>
+              <a:t>E-mail de comunicação (Mensagens)</a:t>
             </a:r>
           </a:p>
           <a:p>
@@ -8376,7 +6362,6 @@
               <a:rPr lang="pt-BR" dirty="0" smtClean="0"/>
               <a:t>Opiniões</a:t>
             </a:r>
-            <a:endParaRPr lang="pt-BR" dirty="0" smtClean="0"/>
           </a:p>
           <a:p>
             <a:r>
@@ -8482,114 +6467,6 @@
           </a:p>
         </p:txBody>
       </p:sp>
-      <p:pic>
-        <p:nvPicPr>
-          <p:cNvPr id="5" name="Picture 5"/>
-          <p:cNvPicPr>
-            <a:picLocks noChangeAspect="1" noChangeArrowheads="1"/>
-          </p:cNvPicPr>
-          <p:nvPr/>
-        </p:nvPicPr>
-        <p:blipFill>
-          <a:blip r:embed="rId2">
-            <a:extLst>
-              <a:ext uri="{28A0092B-C50C-407E-A947-70E740481C1C}">
-                <a14:useLocalDpi xmlns:a14="http://schemas.microsoft.com/office/drawing/2010/main" val="0"/>
-              </a:ext>
-            </a:extLst>
-          </a:blip>
-          <a:srcRect/>
-          <a:stretch>
-            <a:fillRect/>
-          </a:stretch>
-        </p:blipFill>
-        <p:spPr bwMode="auto">
-          <a:xfrm>
-            <a:off x="251520" y="5557509"/>
-            <a:ext cx="648072" cy="1094799"/>
-          </a:xfrm>
-          <a:prstGeom prst="rect">
-            <a:avLst/>
-          </a:prstGeom>
-          <a:noFill/>
-          <a:ln>
-            <a:noFill/>
-          </a:ln>
-          <a:extLst>
-            <a:ext uri="{909E8E84-426E-40DD-AFC4-6F175D3DCCD1}">
-              <a14:hiddenFill xmlns:a14="http://schemas.microsoft.com/office/drawing/2010/main">
-                <a:solidFill>
-                  <a:schemeClr val="accent1"/>
-                </a:solidFill>
-              </a14:hiddenFill>
-            </a:ext>
-            <a:ext uri="{91240B29-F687-4F45-9708-019B960494DF}">
-              <a14:hiddenLine xmlns:a14="http://schemas.microsoft.com/office/drawing/2010/main" w="9525">
-                <a:solidFill>
-                  <a:schemeClr val="tx1"/>
-                </a:solidFill>
-                <a:miter lim="800000"/>
-                <a:headEnd/>
-                <a:tailEnd/>
-              </a14:hiddenLine>
-            </a:ext>
-          </a:extLst>
-        </p:spPr>
-      </p:pic>
-      <p:pic>
-        <p:nvPicPr>
-          <p:cNvPr id="6" name="Picture 6"/>
-          <p:cNvPicPr>
-            <a:picLocks noChangeAspect="1" noChangeArrowheads="1"/>
-          </p:cNvPicPr>
-          <p:nvPr/>
-        </p:nvPicPr>
-        <p:blipFill>
-          <a:blip r:embed="rId3">
-            <a:extLst>
-              <a:ext uri="{28A0092B-C50C-407E-A947-70E740481C1C}">
-                <a14:useLocalDpi xmlns:a14="http://schemas.microsoft.com/office/drawing/2010/main" val="0"/>
-              </a:ext>
-            </a:extLst>
-          </a:blip>
-          <a:srcRect/>
-          <a:stretch>
-            <a:fillRect/>
-          </a:stretch>
-        </p:blipFill>
-        <p:spPr bwMode="auto">
-          <a:xfrm>
-            <a:off x="6732240" y="5805264"/>
-            <a:ext cx="2249957" cy="920041"/>
-          </a:xfrm>
-          <a:prstGeom prst="rect">
-            <a:avLst/>
-          </a:prstGeom>
-          <a:noFill/>
-          <a:ln>
-            <a:noFill/>
-          </a:ln>
-          <a:extLst>
-            <a:ext uri="{909E8E84-426E-40DD-AFC4-6F175D3DCCD1}">
-              <a14:hiddenFill xmlns:a14="http://schemas.microsoft.com/office/drawing/2010/main">
-                <a:solidFill>
-                  <a:schemeClr val="accent1"/>
-                </a:solidFill>
-              </a14:hiddenFill>
-            </a:ext>
-            <a:ext uri="{91240B29-F687-4F45-9708-019B960494DF}">
-              <a14:hiddenLine xmlns:a14="http://schemas.microsoft.com/office/drawing/2010/main" w="9525">
-                <a:solidFill>
-                  <a:schemeClr val="tx1"/>
-                </a:solidFill>
-                <a:miter lim="800000"/>
-                <a:headEnd/>
-                <a:tailEnd/>
-              </a14:hiddenLine>
-            </a:ext>
-          </a:extLst>
-        </p:spPr>
-      </p:pic>
       <p:sp>
         <p:nvSpPr>
           <p:cNvPr id="9" name="Arredondar Retângulo em um Canto Diagonal 8"/>
@@ -8676,7 +6553,7 @@
             </a:r>
             <a:r>
               <a:rPr lang="pt-BR" sz="1600" dirty="0" smtClean="0"/>
-              <a:t>v0.14.46a </a:t>
+              <a:t>v0.14.52 </a:t>
             </a:r>
             <a:endParaRPr lang="pt-BR" dirty="0"/>
           </a:p>
@@ -8691,7 +6568,7 @@
           <p:nvPr/>
         </p:nvPicPr>
         <p:blipFill>
-          <a:blip r:embed="rId4">
+          <a:blip r:embed="rId2">
             <a:extLst>
               <a:ext uri="{28A0092B-C50C-407E-A947-70E740481C1C}">
                 <a14:useLocalDpi xmlns:a14="http://schemas.microsoft.com/office/drawing/2010/main" val="0"/>
@@ -8889,8 +6766,8 @@
         </p:blipFill>
         <p:spPr>
           <a:xfrm>
-            <a:off x="7164288" y="881336"/>
-            <a:ext cx="10630368" cy="5976664"/>
+            <a:off x="7164288" y="1124744"/>
+            <a:ext cx="8253472" cy="5184576"/>
           </a:xfrm>
           <a:prstGeom prst="rect">
             <a:avLst/>
@@ -8905,7 +6782,7 @@
         </p:nvSpPr>
         <p:spPr>
           <a:xfrm>
-            <a:off x="5991008" y="5592527"/>
+            <a:off x="5724128" y="5072410"/>
             <a:ext cx="2346560" cy="1067271"/>
           </a:xfrm>
           <a:prstGeom prst="rightArrow">
@@ -12887,7 +10764,7 @@
           <a:graphicData uri="http://schemas.openxmlformats.org/presentationml/2006/ole">
             <mc:AlternateContent xmlns:mc="http://schemas.openxmlformats.org/markup-compatibility/2006">
               <mc:Choice xmlns:v="urn:schemas-microsoft-com:vml" Requires="v">
-                <p:oleObj spid="_x0000_s2058" name="PHOTO-PAINT" r:id="rId3" imgW="4743360" imgH="1857240" progId="CorelPHOTOPAINT.Image.13">
+                <p:oleObj spid="_x0000_s2067" name="PHOTO-PAINT" r:id="rId3" imgW="4743360" imgH="1857240" progId="CorelPHOTOPAINT.Image.13">
                   <p:embed/>
                 </p:oleObj>
               </mc:Choice>
@@ -14860,20 +12737,20 @@
               <a:buNone/>
             </a:pPr>
             <a:r>
-              <a:rPr lang="pt-BR" sz="1600" dirty="0" smtClean="0">
+              <a:rPr lang="pt-BR" sz="1400" dirty="0" smtClean="0">
                 <a:latin typeface="Courier New" panose="02070309020205020404" pitchFamily="49" charset="0"/>
                 <a:cs typeface="Courier New" panose="02070309020205020404" pitchFamily="49" charset="0"/>
               </a:rPr>
               <a:t>&lt;?</a:t>
             </a:r>
             <a:r>
-              <a:rPr lang="pt-BR" sz="1600" dirty="0" err="1" smtClean="0">
+              <a:rPr lang="pt-BR" sz="1400" dirty="0" err="1" smtClean="0">
                 <a:latin typeface="Courier New" panose="02070309020205020404" pitchFamily="49" charset="0"/>
                 <a:cs typeface="Courier New" panose="02070309020205020404" pitchFamily="49" charset="0"/>
               </a:rPr>
               <a:t>php</a:t>
             </a:r>
-            <a:endParaRPr lang="pt-BR" sz="1600" dirty="0" smtClean="0">
+            <a:endParaRPr lang="pt-BR" sz="1400" dirty="0" smtClean="0">
               <a:latin typeface="Courier New" panose="02070309020205020404" pitchFamily="49" charset="0"/>
               <a:cs typeface="Courier New" panose="02070309020205020404" pitchFamily="49" charset="0"/>
             </a:endParaRPr>
@@ -14883,28 +12760,28 @@
               <a:buNone/>
             </a:pPr>
             <a:r>
-              <a:rPr lang="pt-BR" sz="1600" dirty="0" err="1" smtClean="0">
+              <a:rPr lang="pt-BR" sz="1400" dirty="0" err="1" smtClean="0">
                 <a:latin typeface="Courier New" panose="02070309020205020404" pitchFamily="49" charset="0"/>
                 <a:cs typeface="Courier New" panose="02070309020205020404" pitchFamily="49" charset="0"/>
               </a:rPr>
               <a:t>Require</a:t>
             </a:r>
             <a:r>
-              <a:rPr lang="pt-BR" sz="1600" dirty="0" smtClean="0">
+              <a:rPr lang="pt-BR" sz="1400" dirty="0" smtClean="0">
                 <a:latin typeface="Courier New" panose="02070309020205020404" pitchFamily="49" charset="0"/>
                 <a:cs typeface="Courier New" panose="02070309020205020404" pitchFamily="49" charset="0"/>
               </a:rPr>
               <a:t>(“</a:t>
             </a:r>
             <a:r>
-              <a:rPr lang="pt-BR" sz="1600" dirty="0" err="1" smtClean="0">
+              <a:rPr lang="pt-BR" sz="1400" dirty="0" err="1" smtClean="0">
                 <a:latin typeface="Courier New" panose="02070309020205020404" pitchFamily="49" charset="0"/>
                 <a:cs typeface="Courier New" panose="02070309020205020404" pitchFamily="49" charset="0"/>
               </a:rPr>
               <a:t>cab.php</a:t>
             </a:r>
             <a:r>
-              <a:rPr lang="pt-BR" sz="1600" dirty="0" smtClean="0">
+              <a:rPr lang="pt-BR" sz="1400" dirty="0" smtClean="0">
                 <a:latin typeface="Courier New" panose="02070309020205020404" pitchFamily="49" charset="0"/>
                 <a:cs typeface="Courier New" panose="02070309020205020404" pitchFamily="49" charset="0"/>
               </a:rPr>
@@ -14916,28 +12793,28 @@
               <a:buNone/>
             </a:pPr>
             <a:r>
-              <a:rPr lang="pt-BR" sz="1600" dirty="0" err="1" smtClean="0">
+              <a:rPr lang="pt-BR" sz="1400" dirty="0" err="1" smtClean="0">
                 <a:latin typeface="Courier New" panose="02070309020205020404" pitchFamily="49" charset="0"/>
                 <a:cs typeface="Courier New" panose="02070309020205020404" pitchFamily="49" charset="0"/>
               </a:rPr>
               <a:t>Require</a:t>
             </a:r>
             <a:r>
-              <a:rPr lang="pt-BR" sz="1600" dirty="0" smtClean="0">
+              <a:rPr lang="pt-BR" sz="1400" dirty="0" smtClean="0">
                 <a:latin typeface="Courier New" panose="02070309020205020404" pitchFamily="49" charset="0"/>
                 <a:cs typeface="Courier New" panose="02070309020205020404" pitchFamily="49" charset="0"/>
               </a:rPr>
               <a:t>(“_</a:t>
             </a:r>
             <a:r>
-              <a:rPr lang="pt-BR" sz="1600" dirty="0" err="1" smtClean="0">
+              <a:rPr lang="pt-BR" sz="1400" dirty="0" err="1" smtClean="0">
                 <a:latin typeface="Courier New" panose="02070309020205020404" pitchFamily="49" charset="0"/>
                 <a:cs typeface="Courier New" panose="02070309020205020404" pitchFamily="49" charset="0"/>
               </a:rPr>
               <a:t>class_form.php</a:t>
             </a:r>
             <a:r>
-              <a:rPr lang="pt-BR" sz="1600" dirty="0" smtClean="0">
+              <a:rPr lang="pt-BR" sz="1400" dirty="0" smtClean="0">
                 <a:latin typeface="Courier New" panose="02070309020205020404" pitchFamily="49" charset="0"/>
                 <a:cs typeface="Courier New" panose="02070309020205020404" pitchFamily="49" charset="0"/>
               </a:rPr>
@@ -14949,35 +12826,35 @@
               <a:buNone/>
             </a:pPr>
             <a:r>
-              <a:rPr lang="pt-BR" sz="1600" dirty="0" smtClean="0">
+              <a:rPr lang="pt-BR" sz="1400" dirty="0" smtClean="0">
                 <a:latin typeface="Courier New" panose="02070309020205020404" pitchFamily="49" charset="0"/>
                 <a:cs typeface="Courier New" panose="02070309020205020404" pitchFamily="49" charset="0"/>
               </a:rPr>
               <a:t>$</a:t>
             </a:r>
             <a:r>
-              <a:rPr lang="pt-BR" sz="1600" dirty="0" err="1" smtClean="0">
+              <a:rPr lang="pt-BR" sz="1400" dirty="0" err="1" smtClean="0">
                 <a:latin typeface="Courier New" panose="02070309020205020404" pitchFamily="49" charset="0"/>
                 <a:cs typeface="Courier New" panose="02070309020205020404" pitchFamily="49" charset="0"/>
               </a:rPr>
               <a:t>form</a:t>
             </a:r>
             <a:r>
-              <a:rPr lang="pt-BR" sz="1600" dirty="0" smtClean="0">
+              <a:rPr lang="pt-BR" sz="1400" dirty="0" smtClean="0">
                 <a:latin typeface="Courier New" panose="02070309020205020404" pitchFamily="49" charset="0"/>
                 <a:cs typeface="Courier New" panose="02070309020205020404" pitchFamily="49" charset="0"/>
               </a:rPr>
               <a:t> = new </a:t>
             </a:r>
             <a:r>
-              <a:rPr lang="pt-BR" sz="1600" dirty="0" err="1" smtClean="0">
+              <a:rPr lang="pt-BR" sz="1400" dirty="0" err="1" smtClean="0">
                 <a:latin typeface="Courier New" panose="02070309020205020404" pitchFamily="49" charset="0"/>
                 <a:cs typeface="Courier New" panose="02070309020205020404" pitchFamily="49" charset="0"/>
               </a:rPr>
               <a:t>form</a:t>
             </a:r>
             <a:r>
-              <a:rPr lang="pt-BR" sz="1600" dirty="0" smtClean="0">
+              <a:rPr lang="pt-BR" sz="1400" dirty="0" smtClean="0">
                 <a:latin typeface="Courier New" panose="02070309020205020404" pitchFamily="49" charset="0"/>
                 <a:cs typeface="Courier New" panose="02070309020205020404" pitchFamily="49" charset="0"/>
               </a:rPr>
@@ -14989,28 +12866,28 @@
               <a:buNone/>
             </a:pPr>
             <a:r>
-              <a:rPr lang="pt-BR" sz="1600" dirty="0" err="1" smtClean="0">
+              <a:rPr lang="pt-BR" sz="1400" dirty="0" err="1" smtClean="0">
                 <a:latin typeface="Courier New" panose="02070309020205020404" pitchFamily="49" charset="0"/>
                 <a:cs typeface="Courier New" panose="02070309020205020404" pitchFamily="49" charset="0"/>
               </a:rPr>
               <a:t>Require</a:t>
             </a:r>
             <a:r>
-              <a:rPr lang="pt-BR" sz="1600" dirty="0" smtClean="0">
+              <a:rPr lang="pt-BR" sz="1400" dirty="0" smtClean="0">
                 <a:latin typeface="Courier New" panose="02070309020205020404" pitchFamily="49" charset="0"/>
                 <a:cs typeface="Courier New" panose="02070309020205020404" pitchFamily="49" charset="0"/>
               </a:rPr>
               <a:t>(“_</a:t>
             </a:r>
             <a:r>
-              <a:rPr lang="pt-BR" sz="1600" dirty="0" err="1" smtClean="0">
+              <a:rPr lang="pt-BR" sz="1400" dirty="0" err="1" smtClean="0">
                 <a:latin typeface="Courier New" panose="02070309020205020404" pitchFamily="49" charset="0"/>
                 <a:cs typeface="Courier New" panose="02070309020205020404" pitchFamily="49" charset="0"/>
               </a:rPr>
               <a:t>form_css.php</a:t>
             </a:r>
             <a:r>
-              <a:rPr lang="pt-BR" sz="1600" dirty="0" smtClean="0">
+              <a:rPr lang="pt-BR" sz="1400" dirty="0" smtClean="0">
                 <a:latin typeface="Courier New" panose="02070309020205020404" pitchFamily="49" charset="0"/>
                 <a:cs typeface="Courier New" panose="02070309020205020404" pitchFamily="49" charset="0"/>
               </a:rPr>
@@ -15021,7 +12898,7 @@
             <a:pPr marL="0" indent="0">
               <a:buNone/>
             </a:pPr>
-            <a:endParaRPr lang="pt-BR" sz="1600" dirty="0" smtClean="0">
+            <a:endParaRPr lang="pt-BR" sz="1400" dirty="0" smtClean="0">
               <a:latin typeface="Courier New" panose="02070309020205020404" pitchFamily="49" charset="0"/>
               <a:cs typeface="Courier New" panose="02070309020205020404" pitchFamily="49" charset="0"/>
             </a:endParaRPr>
@@ -15031,7 +12908,7 @@
               <a:buNone/>
             </a:pPr>
             <a:r>
-              <a:rPr lang="pt-BR" sz="1600" dirty="0" smtClean="0">
+              <a:rPr lang="pt-BR" sz="1400" dirty="0" smtClean="0">
                 <a:latin typeface="Courier New" panose="02070309020205020404" pitchFamily="49" charset="0"/>
                 <a:cs typeface="Courier New" panose="02070309020205020404" pitchFamily="49" charset="0"/>
               </a:rPr>
@@ -15043,7 +12920,7 @@
               <a:buNone/>
             </a:pPr>
             <a:r>
-              <a:rPr lang="pt-BR" sz="1600" dirty="0" smtClean="0">
+              <a:rPr lang="pt-BR" sz="1400" dirty="0" smtClean="0">
                 <a:latin typeface="Courier New" panose="02070309020205020404" pitchFamily="49" charset="0"/>
                 <a:cs typeface="Courier New" panose="02070309020205020404" pitchFamily="49" charset="0"/>
               </a:rPr>
@@ -15055,35 +12932,35 @@
               <a:buNone/>
             </a:pPr>
             <a:r>
-              <a:rPr lang="pt-BR" sz="1600" dirty="0" smtClean="0">
+              <a:rPr lang="pt-BR" sz="1400" dirty="0" smtClean="0">
                 <a:latin typeface="Courier New" panose="02070309020205020404" pitchFamily="49" charset="0"/>
                 <a:cs typeface="Courier New" panose="02070309020205020404" pitchFamily="49" charset="0"/>
               </a:rPr>
               <a:t>$</a:t>
             </a:r>
             <a:r>
-              <a:rPr lang="pt-BR" sz="1600" dirty="0" err="1" smtClean="0">
+              <a:rPr lang="pt-BR" sz="1400" dirty="0" err="1" smtClean="0">
                 <a:latin typeface="Courier New" panose="02070309020205020404" pitchFamily="49" charset="0"/>
                 <a:cs typeface="Courier New" panose="02070309020205020404" pitchFamily="49" charset="0"/>
               </a:rPr>
               <a:t>cp</a:t>
             </a:r>
             <a:r>
-              <a:rPr lang="pt-BR" sz="1600" dirty="0" smtClean="0">
+              <a:rPr lang="pt-BR" sz="1400" dirty="0" smtClean="0">
                 <a:latin typeface="Courier New" panose="02070309020205020404" pitchFamily="49" charset="0"/>
                 <a:cs typeface="Courier New" panose="02070309020205020404" pitchFamily="49" charset="0"/>
               </a:rPr>
               <a:t> = </a:t>
             </a:r>
             <a:r>
-              <a:rPr lang="pt-BR" sz="1600" dirty="0" err="1" smtClean="0">
+              <a:rPr lang="pt-BR" sz="1400" dirty="0" err="1" smtClean="0">
                 <a:latin typeface="Courier New" panose="02070309020205020404" pitchFamily="49" charset="0"/>
                 <a:cs typeface="Courier New" panose="02070309020205020404" pitchFamily="49" charset="0"/>
               </a:rPr>
               <a:t>array</a:t>
             </a:r>
             <a:r>
-              <a:rPr lang="pt-BR" sz="1600" dirty="0" smtClean="0">
+              <a:rPr lang="pt-BR" sz="1400" dirty="0" smtClean="0">
                 <a:latin typeface="Courier New" panose="02070309020205020404" pitchFamily="49" charset="0"/>
                 <a:cs typeface="Courier New" panose="02070309020205020404" pitchFamily="49" charset="0"/>
               </a:rPr>
@@ -15095,28 +12972,28 @@
               <a:buNone/>
             </a:pPr>
             <a:r>
-              <a:rPr lang="pt-BR" sz="1600" dirty="0" err="1" smtClean="0">
+              <a:rPr lang="pt-BR" sz="1400" dirty="0" err="1" smtClean="0">
                 <a:latin typeface="Courier New" panose="02070309020205020404" pitchFamily="49" charset="0"/>
                 <a:cs typeface="Courier New" panose="02070309020205020404" pitchFamily="49" charset="0"/>
               </a:rPr>
               <a:t>Array_push</a:t>
             </a:r>
             <a:r>
-              <a:rPr lang="pt-BR" sz="1600" dirty="0" smtClean="0">
+              <a:rPr lang="pt-BR" sz="1400" dirty="0" smtClean="0">
                 <a:latin typeface="Courier New" panose="02070309020205020404" pitchFamily="49" charset="0"/>
                 <a:cs typeface="Courier New" panose="02070309020205020404" pitchFamily="49" charset="0"/>
               </a:rPr>
               <a:t>($</a:t>
             </a:r>
             <a:r>
-              <a:rPr lang="pt-BR" sz="1600" dirty="0" err="1" smtClean="0">
+              <a:rPr lang="pt-BR" sz="1400" dirty="0" err="1" smtClean="0">
                 <a:latin typeface="Courier New" panose="02070309020205020404" pitchFamily="49" charset="0"/>
                 <a:cs typeface="Courier New" panose="02070309020205020404" pitchFamily="49" charset="0"/>
               </a:rPr>
               <a:t>cp,array</a:t>
             </a:r>
             <a:r>
-              <a:rPr lang="pt-BR" sz="1600" dirty="0" smtClean="0">
+              <a:rPr lang="pt-BR" sz="1400" dirty="0" smtClean="0">
                 <a:latin typeface="Courier New" panose="02070309020205020404" pitchFamily="49" charset="0"/>
                 <a:cs typeface="Courier New" panose="02070309020205020404" pitchFamily="49" charset="0"/>
               </a:rPr>
@@ -15128,42 +13005,42 @@
               <a:buNone/>
             </a:pPr>
             <a:r>
-              <a:rPr lang="pt-BR" sz="1600" dirty="0" err="1">
+              <a:rPr lang="pt-BR" sz="1400" dirty="0" err="1">
                 <a:latin typeface="Courier New" panose="02070309020205020404" pitchFamily="49" charset="0"/>
                 <a:cs typeface="Courier New" panose="02070309020205020404" pitchFamily="49" charset="0"/>
               </a:rPr>
               <a:t>Array_push</a:t>
             </a:r>
             <a:r>
-              <a:rPr lang="pt-BR" sz="1600" dirty="0">
+              <a:rPr lang="pt-BR" sz="1400" dirty="0">
                 <a:latin typeface="Courier New" panose="02070309020205020404" pitchFamily="49" charset="0"/>
                 <a:cs typeface="Courier New" panose="02070309020205020404" pitchFamily="49" charset="0"/>
               </a:rPr>
               <a:t>($</a:t>
             </a:r>
             <a:r>
-              <a:rPr lang="pt-BR" sz="1600" dirty="0" err="1">
+              <a:rPr lang="pt-BR" sz="1400" dirty="0" err="1">
                 <a:latin typeface="Courier New" panose="02070309020205020404" pitchFamily="49" charset="0"/>
                 <a:cs typeface="Courier New" panose="02070309020205020404" pitchFamily="49" charset="0"/>
               </a:rPr>
               <a:t>cp,array</a:t>
             </a:r>
             <a:r>
-              <a:rPr lang="pt-BR" sz="1600" dirty="0" smtClean="0">
+              <a:rPr lang="pt-BR" sz="1400" dirty="0" smtClean="0">
                 <a:latin typeface="Courier New" panose="02070309020205020404" pitchFamily="49" charset="0"/>
                 <a:cs typeface="Courier New" panose="02070309020205020404" pitchFamily="49" charset="0"/>
               </a:rPr>
               <a:t>(‘$T80:5’,’cep_titulo’,’Titulo’,</a:t>
             </a:r>
             <a:r>
-              <a:rPr lang="pt-BR" sz="1600" dirty="0">
+              <a:rPr lang="pt-BR" sz="1400" dirty="0">
                 <a:latin typeface="Courier New" panose="02070309020205020404" pitchFamily="49" charset="0"/>
                 <a:cs typeface="Courier New" panose="02070309020205020404" pitchFamily="49" charset="0"/>
               </a:rPr>
               <a:t>True,True</a:t>
             </a:r>
             <a:r>
-              <a:rPr lang="pt-BR" sz="1600" dirty="0" smtClean="0">
+              <a:rPr lang="pt-BR" sz="1400" dirty="0" smtClean="0">
                 <a:latin typeface="Courier New" panose="02070309020205020404" pitchFamily="49" charset="0"/>
                 <a:cs typeface="Courier New" panose="02070309020205020404" pitchFamily="49" charset="0"/>
               </a:rPr>
@@ -15174,7 +13051,7 @@
             <a:pPr marL="0" indent="0">
               <a:buNone/>
             </a:pPr>
-            <a:endParaRPr lang="pt-BR" sz="1600" dirty="0" smtClean="0">
+            <a:endParaRPr lang="pt-BR" sz="1400" dirty="0" smtClean="0">
               <a:latin typeface="Courier New" panose="02070309020205020404" pitchFamily="49" charset="0"/>
               <a:cs typeface="Courier New" panose="02070309020205020404" pitchFamily="49" charset="0"/>
             </a:endParaRPr>
@@ -15184,7 +13061,7 @@
               <a:buNone/>
             </a:pPr>
             <a:r>
-              <a:rPr lang="pt-BR" sz="1600" dirty="0" smtClean="0">
+              <a:rPr lang="pt-BR" sz="1400" dirty="0" smtClean="0">
                 <a:latin typeface="Courier New" panose="02070309020205020404" pitchFamily="49" charset="0"/>
                 <a:cs typeface="Courier New" panose="02070309020205020404" pitchFamily="49" charset="0"/>
               </a:rPr>
@@ -15196,35 +13073,35 @@
               <a:buNone/>
             </a:pPr>
             <a:r>
-              <a:rPr lang="pt-BR" sz="1600" dirty="0" smtClean="0">
+              <a:rPr lang="pt-BR" sz="1400" dirty="0" smtClean="0">
                 <a:latin typeface="Courier New" panose="02070309020205020404" pitchFamily="49" charset="0"/>
                 <a:cs typeface="Courier New" panose="02070309020205020404" pitchFamily="49" charset="0"/>
               </a:rPr>
               <a:t>$tela = $</a:t>
             </a:r>
             <a:r>
-              <a:rPr lang="pt-BR" sz="1600" dirty="0" err="1" smtClean="0">
+              <a:rPr lang="pt-BR" sz="1400" dirty="0" err="1" smtClean="0">
                 <a:latin typeface="Courier New" panose="02070309020205020404" pitchFamily="49" charset="0"/>
                 <a:cs typeface="Courier New" panose="02070309020205020404" pitchFamily="49" charset="0"/>
               </a:rPr>
               <a:t>form</a:t>
             </a:r>
             <a:r>
-              <a:rPr lang="pt-BR" sz="1600" dirty="0" smtClean="0">
+              <a:rPr lang="pt-BR" sz="1400" dirty="0" smtClean="0">
                 <a:latin typeface="Courier New" panose="02070309020205020404" pitchFamily="49" charset="0"/>
                 <a:cs typeface="Courier New" panose="02070309020205020404" pitchFamily="49" charset="0"/>
               </a:rPr>
               <a:t>-&gt;editar($</a:t>
             </a:r>
             <a:r>
-              <a:rPr lang="pt-BR" sz="1600" dirty="0" err="1" smtClean="0">
+              <a:rPr lang="pt-BR" sz="1400" dirty="0" err="1" smtClean="0">
                 <a:latin typeface="Courier New" panose="02070309020205020404" pitchFamily="49" charset="0"/>
                 <a:cs typeface="Courier New" panose="02070309020205020404" pitchFamily="49" charset="0"/>
               </a:rPr>
               <a:t>cp</a:t>
             </a:r>
             <a:r>
-              <a:rPr lang="pt-BR" sz="1600" dirty="0" smtClean="0">
+              <a:rPr lang="pt-BR" sz="1400" dirty="0" smtClean="0">
                 <a:latin typeface="Courier New" panose="02070309020205020404" pitchFamily="49" charset="0"/>
                 <a:cs typeface="Courier New" panose="02070309020205020404" pitchFamily="49" charset="0"/>
               </a:rPr>
@@ -15236,42 +13113,42 @@
               <a:buNone/>
             </a:pPr>
             <a:r>
-              <a:rPr lang="pt-BR" sz="1600" dirty="0" err="1" smtClean="0">
+              <a:rPr lang="pt-BR" sz="1400" dirty="0" err="1" smtClean="0">
                 <a:latin typeface="Courier New" panose="02070309020205020404" pitchFamily="49" charset="0"/>
                 <a:cs typeface="Courier New" panose="02070309020205020404" pitchFamily="49" charset="0"/>
               </a:rPr>
               <a:t>If</a:t>
             </a:r>
             <a:r>
-              <a:rPr lang="pt-BR" sz="1600" dirty="0" smtClean="0">
+              <a:rPr lang="pt-BR" sz="1400" dirty="0" smtClean="0">
                 <a:latin typeface="Courier New" panose="02070309020205020404" pitchFamily="49" charset="0"/>
                 <a:cs typeface="Courier New" panose="02070309020205020404" pitchFamily="49" charset="0"/>
               </a:rPr>
               <a:t> ($</a:t>
             </a:r>
             <a:r>
-              <a:rPr lang="pt-BR" sz="1600" dirty="0" err="1" smtClean="0">
+              <a:rPr lang="pt-BR" sz="1400" dirty="0" err="1" smtClean="0">
                 <a:latin typeface="Courier New" panose="02070309020205020404" pitchFamily="49" charset="0"/>
                 <a:cs typeface="Courier New" panose="02070309020205020404" pitchFamily="49" charset="0"/>
               </a:rPr>
               <a:t>form</a:t>
             </a:r>
             <a:r>
-              <a:rPr lang="pt-BR" sz="1600" dirty="0" smtClean="0">
+              <a:rPr lang="pt-BR" sz="1400" dirty="0" smtClean="0">
                 <a:latin typeface="Courier New" panose="02070309020205020404" pitchFamily="49" charset="0"/>
                 <a:cs typeface="Courier New" panose="02070309020205020404" pitchFamily="49" charset="0"/>
               </a:rPr>
               <a:t>-&gt;</a:t>
             </a:r>
             <a:r>
-              <a:rPr lang="pt-BR" sz="1600" dirty="0" err="1" smtClean="0">
+              <a:rPr lang="pt-BR" sz="1400" dirty="0" err="1" smtClean="0">
                 <a:latin typeface="Courier New" panose="02070309020205020404" pitchFamily="49" charset="0"/>
                 <a:cs typeface="Courier New" panose="02070309020205020404" pitchFamily="49" charset="0"/>
               </a:rPr>
               <a:t>saved</a:t>
             </a:r>
             <a:r>
-              <a:rPr lang="pt-BR" sz="1600" dirty="0" smtClean="0">
+              <a:rPr lang="pt-BR" sz="1400" dirty="0" smtClean="0">
                 <a:latin typeface="Courier New" panose="02070309020205020404" pitchFamily="49" charset="0"/>
                 <a:cs typeface="Courier New" panose="02070309020205020404" pitchFamily="49" charset="0"/>
               </a:rPr>
@@ -15283,27 +13160,117 @@
               <a:buNone/>
             </a:pPr>
             <a:r>
+              <a:rPr lang="pt-BR" sz="1200" dirty="0" smtClean="0">
+                <a:latin typeface="Courier New" panose="02070309020205020404" pitchFamily="49" charset="0"/>
+                <a:cs typeface="Courier New" panose="02070309020205020404" pitchFamily="49" charset="0"/>
+              </a:rPr>
+              <a:t>{</a:t>
+            </a:r>
+          </a:p>
+          <a:p>
+            <a:pPr marL="457200" lvl="1" indent="0">
+              <a:buNone/>
+            </a:pPr>
+            <a:r>
+              <a:rPr lang="pt-BR" sz="1200" dirty="0" smtClean="0">
+                <a:latin typeface="Courier New" panose="02070309020205020404" pitchFamily="49" charset="0"/>
+                <a:cs typeface="Courier New" panose="02070309020205020404" pitchFamily="49" charset="0"/>
+              </a:rPr>
+              <a:t>/* SAVED */</a:t>
+            </a:r>
+          </a:p>
+          <a:p>
+            <a:pPr marL="457200" lvl="1" indent="0">
+              <a:buNone/>
+            </a:pPr>
+            <a:r>
+              <a:rPr lang="pt-BR" sz="1200" dirty="0" smtClean="0">
+                <a:latin typeface="Courier New" panose="02070309020205020404" pitchFamily="49" charset="0"/>
+                <a:cs typeface="Courier New" panose="02070309020205020404" pitchFamily="49" charset="0"/>
+              </a:rPr>
+              <a:t>} </a:t>
+            </a:r>
+            <a:r>
+              <a:rPr lang="pt-BR" sz="1200" dirty="0" err="1" smtClean="0">
+                <a:latin typeface="Courier New" panose="02070309020205020404" pitchFamily="49" charset="0"/>
+                <a:cs typeface="Courier New" panose="02070309020205020404" pitchFamily="49" charset="0"/>
+              </a:rPr>
+              <a:t>else</a:t>
+            </a:r>
+            <a:r>
+              <a:rPr lang="pt-BR" sz="1200" dirty="0" smtClean="0">
+                <a:latin typeface="Courier New" panose="02070309020205020404" pitchFamily="49" charset="0"/>
+                <a:cs typeface="Courier New" panose="02070309020205020404" pitchFamily="49" charset="0"/>
+              </a:rPr>
+              <a:t> {</a:t>
+            </a:r>
+          </a:p>
+          <a:p>
+            <a:pPr marL="457200" lvl="1" indent="0">
+              <a:buNone/>
+            </a:pPr>
+            <a:r>
+              <a:rPr lang="pt-BR" sz="1200" dirty="0" err="1" smtClean="0">
+                <a:latin typeface="Courier New" panose="02070309020205020404" pitchFamily="49" charset="0"/>
+                <a:cs typeface="Courier New" panose="02070309020205020404" pitchFamily="49" charset="0"/>
+              </a:rPr>
+              <a:t>echo</a:t>
+            </a:r>
+            <a:r>
+              <a:rPr lang="pt-BR" sz="1200" dirty="0" smtClean="0">
+                <a:latin typeface="Courier New" panose="02070309020205020404" pitchFamily="49" charset="0"/>
+                <a:cs typeface="Courier New" panose="02070309020205020404" pitchFamily="49" charset="0"/>
+              </a:rPr>
+              <a:t> $tela;</a:t>
+            </a:r>
+          </a:p>
+          <a:p>
+            <a:pPr marL="457200" lvl="1" indent="0">
+              <a:buNone/>
+            </a:pPr>
+            <a:r>
+              <a:rPr lang="pt-BR" sz="1200" dirty="0" smtClean="0">
+                <a:latin typeface="Courier New" panose="02070309020205020404" pitchFamily="49" charset="0"/>
+                <a:cs typeface="Courier New" panose="02070309020205020404" pitchFamily="49" charset="0"/>
+              </a:rPr>
+              <a:t>}</a:t>
+            </a:r>
+          </a:p>
+          <a:p>
+            <a:pPr marL="0" indent="0">
+              <a:buNone/>
+            </a:pPr>
+            <a:r>
+              <a:rPr lang="pt-BR" sz="1400" dirty="0" err="1" smtClean="0">
+                <a:latin typeface="Courier New" panose="02070309020205020404" pitchFamily="49" charset="0"/>
+                <a:cs typeface="Courier New" panose="02070309020205020404" pitchFamily="49" charset="0"/>
+              </a:rPr>
+              <a:t>Require</a:t>
+            </a:r>
+            <a:r>
               <a:rPr lang="pt-BR" sz="1400" dirty="0" smtClean="0">
                 <a:latin typeface="Courier New" panose="02070309020205020404" pitchFamily="49" charset="0"/>
                 <a:cs typeface="Courier New" panose="02070309020205020404" pitchFamily="49" charset="0"/>
               </a:rPr>
-              <a:t>{</a:t>
-            </a:r>
-          </a:p>
-          <a:p>
-            <a:pPr marL="457200" lvl="1" indent="0">
-              <a:buNone/>
-            </a:pPr>
+              <a:t>(“</a:t>
+            </a:r>
+            <a:r>
+              <a:rPr lang="pt-BR" sz="1400" dirty="0" err="1" smtClean="0">
+                <a:latin typeface="Courier New" panose="02070309020205020404" pitchFamily="49" charset="0"/>
+                <a:cs typeface="Courier New" panose="02070309020205020404" pitchFamily="49" charset="0"/>
+              </a:rPr>
+              <a:t>foot.php</a:t>
+            </a:r>
             <a:r>
               <a:rPr lang="pt-BR" sz="1400" dirty="0" smtClean="0">
                 <a:latin typeface="Courier New" panose="02070309020205020404" pitchFamily="49" charset="0"/>
                 <a:cs typeface="Courier New" panose="02070309020205020404" pitchFamily="49" charset="0"/>
               </a:rPr>
-              <a:t>/* SAVED */</a:t>
-            </a:r>
-          </a:p>
-          <a:p>
-            <a:pPr marL="457200" lvl="1" indent="0">
+              <a:t>”);</a:t>
+            </a:r>
+          </a:p>
+          <a:p>
+            <a:pPr marL="0" indent="0">
               <a:buNone/>
             </a:pPr>
             <a:r>
@@ -15311,96 +13278,9 @@
                 <a:latin typeface="Courier New" panose="02070309020205020404" pitchFamily="49" charset="0"/>
                 <a:cs typeface="Courier New" panose="02070309020205020404" pitchFamily="49" charset="0"/>
               </a:rPr>
-              <a:t>} </a:t>
-            </a:r>
-            <a:r>
-              <a:rPr lang="pt-BR" sz="1400" dirty="0" err="1" smtClean="0">
-                <a:latin typeface="Courier New" panose="02070309020205020404" pitchFamily="49" charset="0"/>
-                <a:cs typeface="Courier New" panose="02070309020205020404" pitchFamily="49" charset="0"/>
-              </a:rPr>
-              <a:t>else</a:t>
-            </a:r>
-            <a:r>
-              <a:rPr lang="pt-BR" sz="1400" dirty="0" smtClean="0">
-                <a:latin typeface="Courier New" panose="02070309020205020404" pitchFamily="49" charset="0"/>
-                <a:cs typeface="Courier New" panose="02070309020205020404" pitchFamily="49" charset="0"/>
-              </a:rPr>
-              <a:t> {</a:t>
-            </a:r>
-          </a:p>
-          <a:p>
-            <a:pPr marL="457200" lvl="1" indent="0">
-              <a:buNone/>
-            </a:pPr>
-            <a:r>
-              <a:rPr lang="pt-BR" sz="1400" dirty="0" err="1" smtClean="0">
-                <a:latin typeface="Courier New" panose="02070309020205020404" pitchFamily="49" charset="0"/>
-                <a:cs typeface="Courier New" panose="02070309020205020404" pitchFamily="49" charset="0"/>
-              </a:rPr>
-              <a:t>echo</a:t>
-            </a:r>
-            <a:r>
-              <a:rPr lang="pt-BR" sz="1400" dirty="0" smtClean="0">
-                <a:latin typeface="Courier New" panose="02070309020205020404" pitchFamily="49" charset="0"/>
-                <a:cs typeface="Courier New" panose="02070309020205020404" pitchFamily="49" charset="0"/>
-              </a:rPr>
-              <a:t> $tela;</a:t>
-            </a:r>
-          </a:p>
-          <a:p>
-            <a:pPr marL="457200" lvl="1" indent="0">
-              <a:buNone/>
-            </a:pPr>
-            <a:r>
-              <a:rPr lang="pt-BR" sz="1400" dirty="0" smtClean="0">
-                <a:latin typeface="Courier New" panose="02070309020205020404" pitchFamily="49" charset="0"/>
-                <a:cs typeface="Courier New" panose="02070309020205020404" pitchFamily="49" charset="0"/>
-              </a:rPr>
-              <a:t>}</a:t>
-            </a:r>
-          </a:p>
-          <a:p>
-            <a:pPr marL="0" indent="0">
-              <a:buNone/>
-            </a:pPr>
-            <a:r>
-              <a:rPr lang="pt-BR" sz="1600" dirty="0" err="1" smtClean="0">
-                <a:latin typeface="Courier New" panose="02070309020205020404" pitchFamily="49" charset="0"/>
-                <a:cs typeface="Courier New" panose="02070309020205020404" pitchFamily="49" charset="0"/>
-              </a:rPr>
-              <a:t>Require</a:t>
-            </a:r>
-            <a:r>
-              <a:rPr lang="pt-BR" sz="1600" dirty="0" smtClean="0">
-                <a:latin typeface="Courier New" panose="02070309020205020404" pitchFamily="49" charset="0"/>
-                <a:cs typeface="Courier New" panose="02070309020205020404" pitchFamily="49" charset="0"/>
-              </a:rPr>
-              <a:t>(“</a:t>
-            </a:r>
-            <a:r>
-              <a:rPr lang="pt-BR" sz="1600" dirty="0" err="1" smtClean="0">
-                <a:latin typeface="Courier New" panose="02070309020205020404" pitchFamily="49" charset="0"/>
-                <a:cs typeface="Courier New" panose="02070309020205020404" pitchFamily="49" charset="0"/>
-              </a:rPr>
-              <a:t>foot.php</a:t>
-            </a:r>
-            <a:r>
-              <a:rPr lang="pt-BR" sz="1600" dirty="0" smtClean="0">
-                <a:latin typeface="Courier New" panose="02070309020205020404" pitchFamily="49" charset="0"/>
-                <a:cs typeface="Courier New" panose="02070309020205020404" pitchFamily="49" charset="0"/>
-              </a:rPr>
-              <a:t>”);</a:t>
-            </a:r>
-          </a:p>
-          <a:p>
-            <a:r>
-              <a:rPr lang="pt-BR" sz="1600" dirty="0" smtClean="0">
-                <a:latin typeface="Courier New" panose="02070309020205020404" pitchFamily="49" charset="0"/>
-                <a:cs typeface="Courier New" panose="02070309020205020404" pitchFamily="49" charset="0"/>
-              </a:rPr>
               <a:t>?&gt;</a:t>
             </a:r>
-            <a:endParaRPr lang="pt-BR" sz="1600" dirty="0">
+            <a:endParaRPr lang="pt-BR" sz="1400" dirty="0">
               <a:latin typeface="Courier New" panose="02070309020205020404" pitchFamily="49" charset="0"/>
               <a:cs typeface="Courier New" panose="02070309020205020404" pitchFamily="49" charset="0"/>
             </a:endParaRPr>
@@ -15593,7 +13473,7 @@
             <a:pPr lvl="1"/>
             <a:r>
               <a:rPr lang="pt-BR" dirty="0" smtClean="0"/>
-              <a:t>Acesso </a:t>
+              <a:t>Acesso por </a:t>
             </a:r>
             <a:r>
               <a:rPr lang="pt-BR" i="1" dirty="0" err="1" smtClean="0"/>
@@ -15625,7 +13505,7 @@
           <a:p>
             <a:r>
               <a:rPr lang="pt-BR" dirty="0" smtClean="0"/>
-              <a:t>Download</a:t>
+              <a:t>Download do sistema</a:t>
             </a:r>
             <a:br>
               <a:rPr lang="pt-BR" dirty="0" smtClean="0"/>
@@ -16555,29 +14435,49 @@
           <a:lstStyle/>
           <a:p>
             <a:r>
-              <a:rPr lang="pt-BR" dirty="0" smtClean="0"/>
-              <a:t>Transferir por </a:t>
-            </a:r>
-            <a:r>
-              <a:rPr lang="pt-BR" i="1" dirty="0" err="1" smtClean="0"/>
+              <a:rPr lang="pt-BR" sz="2000" dirty="0" smtClean="0"/>
+              <a:t>Baixar o arquivo compactado a partir do link 'Download ZIP' do repositório no </a:t>
+            </a:r>
+            <a:r>
+              <a:rPr lang="pt-BR" sz="2000" dirty="0" err="1" smtClean="0"/>
+              <a:t>GitHub</a:t>
+            </a:r>
+            <a:r>
+              <a:rPr lang="pt-BR" sz="2000" dirty="0"/>
+              <a:t> (https://</a:t>
+            </a:r>
+            <a:r>
+              <a:rPr lang="pt-BR" sz="2000" dirty="0" smtClean="0"/>
+              <a:t>github.com/bireme/proethos);</a:t>
+            </a:r>
+          </a:p>
+          <a:p>
+            <a:r>
+              <a:rPr lang="pt-BR" sz="2000" dirty="0" smtClean="0"/>
+              <a:t>Descompactar </a:t>
+            </a:r>
+            <a:r>
+              <a:rPr lang="pt-BR" sz="2000" dirty="0"/>
+              <a:t>o arquivo zipado e transferir seu conteúdo via </a:t>
+            </a:r>
+            <a:r>
+              <a:rPr lang="pt-BR" sz="2000" i="1" dirty="0" err="1"/>
               <a:t>ftp</a:t>
             </a:r>
             <a:r>
-              <a:rPr lang="pt-BR" dirty="0" smtClean="0"/>
-              <a:t> o arquivo descompactado</a:t>
-            </a:r>
-          </a:p>
-          <a:p>
-            <a:r>
-              <a:rPr lang="pt-BR" sz="2400" dirty="0" smtClean="0"/>
-              <a:t>Acessar o domínio e a págin</a:t>
-            </a:r>
-            <a:endParaRPr lang="pt-BR" sz="2400" dirty="0"/>
-          </a:p>
-          <a:p>
+              <a:rPr lang="pt-BR" sz="2000" dirty="0"/>
+              <a:t> para o servidor </a:t>
+            </a:r>
             <a:r>
               <a:rPr lang="pt-BR" sz="2000" dirty="0" smtClean="0"/>
-              <a:t>Requisitos	</a:t>
+              <a:t>desejado;</a:t>
+            </a:r>
+            <a:endParaRPr lang="pt-BR" sz="2000" dirty="0"/>
+          </a:p>
+          <a:p>
+            <a:r>
+              <a:rPr lang="pt-BR" sz="2000" dirty="0" smtClean="0"/>
+              <a:t>Requisitos</a:t>
             </a:r>
           </a:p>
           <a:p>
@@ -16587,8 +14487,16 @@
               <a:t>Nome do servidor do </a:t>
             </a:r>
             <a:r>
+              <a:rPr lang="pt-BR" sz="1600" i="1" dirty="0" smtClean="0"/>
+              <a:t>MySQL. </a:t>
+            </a:r>
+            <a:r>
+              <a:rPr lang="pt-BR" sz="1600" dirty="0" smtClean="0"/>
+              <a:t>ex. </a:t>
+            </a:r>
+            <a:r>
               <a:rPr lang="pt-BR" sz="1600" dirty="0" err="1" smtClean="0"/>
-              <a:t>MySql</a:t>
+              <a:t>localhost</a:t>
             </a:r>
             <a:endParaRPr lang="pt-BR" sz="1600" dirty="0" smtClean="0"/>
           </a:p>
@@ -16599,8 +14507,8 @@
               <a:t>Nome da base de dados do </a:t>
             </a:r>
             <a:r>
-              <a:rPr lang="pt-BR" sz="1600" dirty="0" err="1" smtClean="0"/>
-              <a:t>MySql</a:t>
+              <a:rPr lang="pt-BR" sz="1600" i="1" dirty="0" smtClean="0"/>
+              <a:t>MySQL</a:t>
             </a:r>
             <a:r>
               <a:rPr lang="pt-BR" sz="1600" dirty="0" smtClean="0"/>
@@ -16616,8 +14524,13 @@
             <a:pPr lvl="1"/>
             <a:r>
               <a:rPr lang="pt-BR" sz="1600" dirty="0" smtClean="0"/>
-              <a:t>Nome do usuário que conecta a esta base de dados</a:t>
-            </a:r>
+              <a:t>Nome do usuário que conecta a esta base de dados. ex. </a:t>
+            </a:r>
+            <a:r>
+              <a:rPr lang="pt-BR" sz="1600" dirty="0" err="1" smtClean="0"/>
+              <a:t>sa_proethos</a:t>
+            </a:r>
+            <a:endParaRPr lang="pt-BR" sz="1600" dirty="0" smtClean="0"/>
           </a:p>
           <a:p>
             <a:pPr lvl="1"/>
@@ -16633,7 +14546,15 @@
             <a:pPr lvl="1"/>
             <a:r>
               <a:rPr lang="pt-BR" sz="1600" dirty="0" smtClean="0"/>
-              <a:t>Aumentar o tamanho máximo de upload (10Mega) no php.ini</a:t>
+              <a:t>Aumentar o tamanho máximo de </a:t>
+            </a:r>
+            <a:r>
+              <a:rPr lang="pt-BR" sz="1600" i="1" dirty="0" smtClean="0"/>
+              <a:t>upload</a:t>
+            </a:r>
+            <a:r>
+              <a:rPr lang="pt-BR" sz="1600" dirty="0" smtClean="0"/>
+              <a:t> (10Mega) no php.ini</a:t>
             </a:r>
             <a:endParaRPr lang="pt-BR" sz="1600" dirty="0"/>
           </a:p>
@@ -16767,7 +14688,7 @@
           <p:nvPr>
             <p:extLst>
               <p:ext uri="{D42A27DB-BD31-4B8C-83A1-F6EECF244321}">
-                <p14:modId xmlns:p14="http://schemas.microsoft.com/office/powerpoint/2010/main" val="3120098227"/>
+                <p14:modId xmlns:p14="http://schemas.microsoft.com/office/powerpoint/2010/main" val="605737752"/>
               </p:ext>
             </p:extLst>
           </p:nvPr>
@@ -16863,11 +14784,11 @@
                     <a:p>
                       <a:r>
                         <a:rPr lang="pt-BR" dirty="0" smtClean="0"/>
-                        <a:t>Assume todos os perfis,</a:t>
+                        <a:t>Abrange todos os perfis,</a:t>
                       </a:r>
                       <a:r>
                         <a:rPr lang="pt-BR" baseline="0" dirty="0" smtClean="0"/>
-                        <a:t> pode configurar o sistema, alterar paremetros.</a:t>
+                        <a:t> permite configurar o sistema e alterar parâmetros.</a:t>
                       </a:r>
                       <a:endParaRPr lang="pt-BR" dirty="0"/>
                     </a:p>
@@ -16915,7 +14836,7 @@
                       </a:r>
                       <a:r>
                         <a:rPr lang="pt-BR" baseline="0" dirty="0" smtClean="0"/>
-                        <a:t> pelo gestão do sistema, controla o fluxo dos protocolos</a:t>
+                        <a:t> pela gestão do sistema, controla o fluxo dos protocolos</a:t>
                       </a:r>
                       <a:endParaRPr lang="pt-BR" dirty="0"/>
                     </a:p>
@@ -17059,11 +14980,23 @@
                     <a:p>
                       <a:r>
                         <a:rPr lang="pt-BR" dirty="0" smtClean="0"/>
-                        <a:t>Avaliador externo ao comitê, tem acesso somente aos protocolos que foram indicados</a:t>
+                        <a:t>Avaliador externo ao comitê, tem acesso somente aos protocolos que </a:t>
+                      </a:r>
+                      <a:r>
+                        <a:rPr lang="pt-BR" smtClean="0"/>
+                        <a:t>lhe forem </a:t>
+                      </a:r>
+                      <a:r>
+                        <a:rPr lang="pt-BR" dirty="0" smtClean="0"/>
+                        <a:t>indicados</a:t>
                       </a:r>
                       <a:r>
                         <a:rPr lang="pt-BR" baseline="0" dirty="0" smtClean="0"/>
-                        <a:t> para sua apreciação</a:t>
+                        <a:t> </a:t>
+                      </a:r>
+                      <a:r>
+                        <a:rPr lang="pt-BR" baseline="0" smtClean="0"/>
+                        <a:t>para apreciação</a:t>
                       </a:r>
                       <a:endParaRPr lang="pt-BR" dirty="0"/>
                     </a:p>
@@ -17128,6 +15061,13 @@
   <p:clrMapOvr>
     <a:masterClrMapping/>
   </p:clrMapOvr>
+  <p:timing>
+    <p:tnLst>
+      <p:par>
+        <p:cTn id="1" dur="indefinite" restart="never" nodeType="tmRoot"/>
+      </p:par>
+    </p:tnLst>
+  </p:timing>
 </p:sld>
 </file>
 
@@ -17486,11 +15426,7 @@
             <a:pPr algn="l"/>
             <a:r>
               <a:rPr lang="pt-BR" dirty="0" smtClean="0"/>
-              <a:t>Fluxos do Sistema - </a:t>
-            </a:r>
-            <a:r>
-              <a:rPr lang="pt-BR" dirty="0" smtClean="0"/>
-              <a:t>Avaliação</a:t>
+              <a:t>Fluxos do Sistema - Avaliação</a:t>
             </a:r>
             <a:endParaRPr lang="pt-BR" dirty="0"/>
           </a:p>
@@ -18014,7 +15950,7 @@
         </p:nvSpPr>
         <p:spPr>
           <a:xfrm>
-            <a:off x="3214678" y="6357958"/>
+            <a:off x="3252001" y="6032571"/>
             <a:ext cx="5929322" cy="369332"/>
           </a:xfrm>
           <a:prstGeom prst="rect">
